--- a/lectures/DJ-04-Model-One.pptx
+++ b/lectures/DJ-04-Model-One.pptx
@@ -668,7 +668,7 @@
               <ma14:placeholderFlag xmlns:ma14="http://schemas.microsoft.com/office/mac/drawingml/2011/main" val="1"/>
             </a:ext>
             <a:ext uri="{909E8E84-426E-40dd-AFC4-6F175D3DCCD1}">
-              <a14:hiddenFill xmlns:a14="http://schemas.microsoft.com/office/drawing/2010/main" xmlns="">
+              <a14:hiddenFill xmlns="" xmlns:a14="http://schemas.microsoft.com/office/drawing/2010/main">
                 <a:solidFill>
                   <a:srgbClr val="FFFFFF"/>
                 </a:solidFill>
@@ -693,14 +693,14 @@
               <ma14:placeholderFlag xmlns:ma14="http://schemas.microsoft.com/office/mac/drawingml/2011/main" val="1"/>
             </a:ext>
             <a:ext uri="{909E8E84-426E-40dd-AFC4-6F175D3DCCD1}">
-              <a14:hiddenFill xmlns:a14="http://schemas.microsoft.com/office/drawing/2010/main" xmlns="">
+              <a14:hiddenFill xmlns="" xmlns:a14="http://schemas.microsoft.com/office/drawing/2010/main">
                 <a:solidFill>
                   <a:srgbClr val="FFFFFF"/>
                 </a:solidFill>
               </a14:hiddenFill>
             </a:ext>
             <a:ext uri="{91240B29-F687-4f45-9708-019B960494DF}">
-              <a14:hiddenLine xmlns:a14="http://schemas.microsoft.com/office/drawing/2010/main" xmlns="" w="9525">
+              <a14:hiddenLine xmlns="" xmlns:a14="http://schemas.microsoft.com/office/drawing/2010/main" w="9525">
                 <a:solidFill>
                   <a:srgbClr val="000000"/>
                 </a:solidFill>
@@ -749,14 +749,14 @@
           <a:noFill/>
           <a:extLst>
             <a:ext uri="{909E8E84-426E-40dd-AFC4-6F175D3DCCD1}">
-              <a14:hiddenFill xmlns:a14="http://schemas.microsoft.com/office/drawing/2010/main" xmlns="">
+              <a14:hiddenFill xmlns="" xmlns:a14="http://schemas.microsoft.com/office/drawing/2010/main">
                 <a:solidFill>
                   <a:srgbClr val="FFFFFF"/>
                 </a:solidFill>
               </a14:hiddenFill>
             </a:ext>
             <a:ext uri="{91240B29-F687-4f45-9708-019B960494DF}">
-              <a14:hiddenLine xmlns:a14="http://schemas.microsoft.com/office/drawing/2010/main" xmlns="" w="9525">
+              <a14:hiddenLine xmlns="" xmlns:a14="http://schemas.microsoft.com/office/drawing/2010/main" w="9525">
                 <a:solidFill>
                   <a:srgbClr val="000000"/>
                 </a:solidFill>
@@ -981,7 +981,7 @@
               <ma14:placeholderFlag xmlns:ma14="http://schemas.microsoft.com/office/mac/drawingml/2011/main" val="1"/>
             </a:ext>
             <a:ext uri="{909E8E84-426E-40dd-AFC4-6F175D3DCCD1}">
-              <a14:hiddenFill xmlns:a14="http://schemas.microsoft.com/office/drawing/2010/main" xmlns="">
+              <a14:hiddenFill xmlns="" xmlns:a14="http://schemas.microsoft.com/office/drawing/2010/main">
                 <a:solidFill>
                   <a:srgbClr val="FFFFFF"/>
                 </a:solidFill>
@@ -1006,14 +1006,14 @@
               <ma14:placeholderFlag xmlns:ma14="http://schemas.microsoft.com/office/mac/drawingml/2011/main" val="1"/>
             </a:ext>
             <a:ext uri="{909E8E84-426E-40dd-AFC4-6F175D3DCCD1}">
-              <a14:hiddenFill xmlns:a14="http://schemas.microsoft.com/office/drawing/2010/main" xmlns="">
+              <a14:hiddenFill xmlns="" xmlns:a14="http://schemas.microsoft.com/office/drawing/2010/main">
                 <a:solidFill>
                   <a:srgbClr val="FFFFFF"/>
                 </a:solidFill>
               </a14:hiddenFill>
             </a:ext>
             <a:ext uri="{91240B29-F687-4f45-9708-019B960494DF}">
-              <a14:hiddenLine xmlns:a14="http://schemas.microsoft.com/office/drawing/2010/main" xmlns="" w="9525">
+              <a14:hiddenLine xmlns="" xmlns:a14="http://schemas.microsoft.com/office/drawing/2010/main" w="9525">
                 <a:solidFill>
                   <a:srgbClr val="000000"/>
                 </a:solidFill>
@@ -1062,14 +1062,14 @@
           <a:noFill/>
           <a:extLst>
             <a:ext uri="{909E8E84-426E-40dd-AFC4-6F175D3DCCD1}">
-              <a14:hiddenFill xmlns:a14="http://schemas.microsoft.com/office/drawing/2010/main" xmlns="">
+              <a14:hiddenFill xmlns="" xmlns:a14="http://schemas.microsoft.com/office/drawing/2010/main">
                 <a:solidFill>
                   <a:srgbClr val="FFFFFF"/>
                 </a:solidFill>
               </a14:hiddenFill>
             </a:ext>
             <a:ext uri="{91240B29-F687-4f45-9708-019B960494DF}">
-              <a14:hiddenLine xmlns:a14="http://schemas.microsoft.com/office/drawing/2010/main" xmlns="" w="9525">
+              <a14:hiddenLine xmlns="" xmlns:a14="http://schemas.microsoft.com/office/drawing/2010/main" w="9525">
                 <a:solidFill>
                   <a:srgbClr val="000000"/>
                 </a:solidFill>
@@ -6923,10 +6923,10 @@
           <p:cNvPr id="10" name="Rectangle 9">
             <a:extLst>
               <a:ext uri="{FF2B5EF4-FFF2-40B4-BE49-F238E27FC236}">
-                <a16:creationId xmlns:a16="http://schemas.microsoft.com/office/drawing/2014/main" xmlns="" id="{E20EB187-900F-4AF5-813B-101456D9FD39}"/>
+                <a16:creationId xmlns="" xmlns:a16="http://schemas.microsoft.com/office/drawing/2014/main" id="{E20EB187-900F-4AF5-813B-101456D9FD39}"/>
               </a:ext>
               <a:ext uri="{C183D7F6-B498-43B3-948B-1728B52AA6E4}">
-                <adec:decorative xmlns:adec="http://schemas.microsoft.com/office/drawing/2017/decorative" xmlns="" val="1"/>
+                <adec:decorative xmlns="" xmlns:adec="http://schemas.microsoft.com/office/drawing/2017/decorative" val="1"/>
               </a:ext>
             </a:extLst>
           </p:cNvPr>
@@ -7036,11 +7036,7 @@
             <a:pPr algn="l"/>
             <a:r>
               <a:rPr lang="en-US" sz="8000" dirty="0" smtClean="0"/>
-              <a:t>Data </a:t>
-            </a:r>
-            <a:r>
-              <a:rPr lang="en-US" sz="8000" dirty="0" smtClean="0"/>
-              <a:t>Modelling</a:t>
+              <a:t>Data Modelling</a:t>
             </a:r>
             <a:br>
               <a:rPr lang="en-US" sz="8000" dirty="0" smtClean="0"/>
@@ -7111,10 +7107,10 @@
           <p:cNvPr id="12" name="Straight Connector 11">
             <a:extLst>
               <a:ext uri="{FF2B5EF4-FFF2-40B4-BE49-F238E27FC236}">
-                <a16:creationId xmlns:a16="http://schemas.microsoft.com/office/drawing/2014/main" xmlns="" id="{624D17C8-E9C2-48A4-AA36-D7048A6CCC41}"/>
+                <a16:creationId xmlns="" xmlns:a16="http://schemas.microsoft.com/office/drawing/2014/main" id="{624D17C8-E9C2-48A4-AA36-D7048A6CCC41}"/>
               </a:ext>
               <a:ext uri="{C183D7F6-B498-43B3-948B-1728B52AA6E4}">
-                <adec:decorative xmlns:adec="http://schemas.microsoft.com/office/drawing/2017/decorative" xmlns="" val="1"/>
+                <adec:decorative xmlns="" xmlns:adec="http://schemas.microsoft.com/office/drawing/2017/decorative" val="1"/>
               </a:ext>
             </a:extLst>
           </p:cNvPr>
@@ -7803,14 +7799,14 @@
           </a:ln>
           <a:extLst>
             <a:ext uri="{909E8E84-426E-40dd-AFC4-6F175D3DCCD1}">
-              <a14:hiddenFill xmlns:a14="http://schemas.microsoft.com/office/drawing/2010/main" xmlns="">
+              <a14:hiddenFill xmlns="" xmlns:a14="http://schemas.microsoft.com/office/drawing/2010/main">
                 <a:solidFill>
                   <a:srgbClr val="FFFFFF"/>
                 </a:solidFill>
               </a14:hiddenFill>
             </a:ext>
             <a:ext uri="{91240B29-F687-4f45-9708-019B960494DF}">
-              <a14:hiddenLine xmlns:a14="http://schemas.microsoft.com/office/drawing/2010/main" xmlns="" w="12700">
+              <a14:hiddenLine xmlns="" xmlns:a14="http://schemas.microsoft.com/office/drawing/2010/main" w="12700">
                 <a:solidFill>
                   <a:srgbClr val="000000"/>
                 </a:solidFill>
@@ -7881,14 +7877,14 @@
           </a:ln>
           <a:extLst>
             <a:ext uri="{909E8E84-426E-40dd-AFC4-6F175D3DCCD1}">
-              <a14:hiddenFill xmlns:a14="http://schemas.microsoft.com/office/drawing/2010/main" xmlns="">
+              <a14:hiddenFill xmlns="" xmlns:a14="http://schemas.microsoft.com/office/drawing/2010/main">
                 <a:solidFill>
                   <a:srgbClr val="FFFFFF"/>
                 </a:solidFill>
               </a14:hiddenFill>
             </a:ext>
             <a:ext uri="{91240B29-F687-4f45-9708-019B960494DF}">
-              <a14:hiddenLine xmlns:a14="http://schemas.microsoft.com/office/drawing/2010/main" xmlns="" w="12700">
+              <a14:hiddenLine xmlns="" xmlns:a14="http://schemas.microsoft.com/office/drawing/2010/main" w="12700">
                 <a:solidFill>
                   <a:srgbClr val="000000"/>
                 </a:solidFill>
@@ -8057,14 +8053,14 @@
           </a:ln>
           <a:extLst>
             <a:ext uri="{909E8E84-426E-40dd-AFC4-6F175D3DCCD1}">
-              <a14:hiddenFill xmlns:a14="http://schemas.microsoft.com/office/drawing/2010/main" xmlns="">
+              <a14:hiddenFill xmlns="" xmlns:a14="http://schemas.microsoft.com/office/drawing/2010/main">
                 <a:solidFill>
                   <a:srgbClr val="FFFFFF"/>
                 </a:solidFill>
               </a14:hiddenFill>
             </a:ext>
             <a:ext uri="{91240B29-F687-4f45-9708-019B960494DF}">
-              <a14:hiddenLine xmlns:a14="http://schemas.microsoft.com/office/drawing/2010/main" xmlns="" w="12700">
+              <a14:hiddenLine xmlns="" xmlns:a14="http://schemas.microsoft.com/office/drawing/2010/main" w="12700">
                 <a:solidFill>
                   <a:srgbClr val="000000"/>
                 </a:solidFill>
@@ -8233,14 +8229,14 @@
           </a:ln>
           <a:extLst>
             <a:ext uri="{909E8E84-426E-40dd-AFC4-6F175D3DCCD1}">
-              <a14:hiddenFill xmlns:a14="http://schemas.microsoft.com/office/drawing/2010/main" xmlns="">
+              <a14:hiddenFill xmlns="" xmlns:a14="http://schemas.microsoft.com/office/drawing/2010/main">
                 <a:solidFill>
                   <a:srgbClr val="FFFFFF"/>
                 </a:solidFill>
               </a14:hiddenFill>
             </a:ext>
             <a:ext uri="{91240B29-F687-4f45-9708-019B960494DF}">
-              <a14:hiddenLine xmlns:a14="http://schemas.microsoft.com/office/drawing/2010/main" xmlns="" w="12700">
+              <a14:hiddenLine xmlns="" xmlns:a14="http://schemas.microsoft.com/office/drawing/2010/main" w="12700">
                 <a:solidFill>
                   <a:srgbClr val="000000"/>
                 </a:solidFill>
@@ -8409,14 +8405,14 @@
           </a:ln>
           <a:extLst>
             <a:ext uri="{909E8E84-426E-40dd-AFC4-6F175D3DCCD1}">
-              <a14:hiddenFill xmlns:a14="http://schemas.microsoft.com/office/drawing/2010/main" xmlns="">
+              <a14:hiddenFill xmlns="" xmlns:a14="http://schemas.microsoft.com/office/drawing/2010/main">
                 <a:solidFill>
                   <a:srgbClr val="FFFFFF"/>
                 </a:solidFill>
               </a14:hiddenFill>
             </a:ext>
             <a:ext uri="{91240B29-F687-4f45-9708-019B960494DF}">
-              <a14:hiddenLine xmlns:a14="http://schemas.microsoft.com/office/drawing/2010/main" xmlns="" w="12700">
+              <a14:hiddenLine xmlns="" xmlns:a14="http://schemas.microsoft.com/office/drawing/2010/main" w="12700">
                 <a:solidFill>
                   <a:srgbClr val="000000"/>
                 </a:solidFill>
@@ -8601,14 +8597,14 @@
             </a:ln>
             <a:extLst>
               <a:ext uri="{909E8E84-426E-40dd-AFC4-6F175D3DCCD1}">
-                <a14:hiddenFill xmlns:a14="http://schemas.microsoft.com/office/drawing/2010/main" xmlns="">
+                <a14:hiddenFill xmlns="" xmlns:a14="http://schemas.microsoft.com/office/drawing/2010/main">
                   <a:solidFill>
                     <a:srgbClr val="FFFFFF"/>
                   </a:solidFill>
                 </a14:hiddenFill>
               </a:ext>
               <a:ext uri="{91240B29-F687-4f45-9708-019B960494DF}">
-                <a14:hiddenLine xmlns:a14="http://schemas.microsoft.com/office/drawing/2010/main" xmlns="" w="12700">
+                <a14:hiddenLine xmlns="" xmlns:a14="http://schemas.microsoft.com/office/drawing/2010/main" w="12700">
                   <a:solidFill>
                     <a:srgbClr val="000000"/>
                   </a:solidFill>
@@ -8777,14 +8773,14 @@
             </a:ln>
             <a:extLst>
               <a:ext uri="{909E8E84-426E-40dd-AFC4-6F175D3DCCD1}">
-                <a14:hiddenFill xmlns:a14="http://schemas.microsoft.com/office/drawing/2010/main" xmlns="">
+                <a14:hiddenFill xmlns="" xmlns:a14="http://schemas.microsoft.com/office/drawing/2010/main">
                   <a:solidFill>
                     <a:srgbClr val="FFFFFF"/>
                   </a:solidFill>
                 </a14:hiddenFill>
               </a:ext>
               <a:ext uri="{91240B29-F687-4f45-9708-019B960494DF}">
-                <a14:hiddenLine xmlns:a14="http://schemas.microsoft.com/office/drawing/2010/main" xmlns="" w="12700">
+                <a14:hiddenLine xmlns="" xmlns:a14="http://schemas.microsoft.com/office/drawing/2010/main" w="12700">
                   <a:solidFill>
                     <a:srgbClr val="000000"/>
                   </a:solidFill>
@@ -8953,14 +8949,14 @@
             </a:ln>
             <a:extLst>
               <a:ext uri="{909E8E84-426E-40dd-AFC4-6F175D3DCCD1}">
-                <a14:hiddenFill xmlns:a14="http://schemas.microsoft.com/office/drawing/2010/main" xmlns="">
+                <a14:hiddenFill xmlns="" xmlns:a14="http://schemas.microsoft.com/office/drawing/2010/main">
                   <a:solidFill>
                     <a:srgbClr val="FFFFFF"/>
                   </a:solidFill>
                 </a14:hiddenFill>
               </a:ext>
               <a:ext uri="{91240B29-F687-4f45-9708-019B960494DF}">
-                <a14:hiddenLine xmlns:a14="http://schemas.microsoft.com/office/drawing/2010/main" xmlns="" w="12700">
+                <a14:hiddenLine xmlns="" xmlns:a14="http://schemas.microsoft.com/office/drawing/2010/main" w="12700">
                   <a:solidFill>
                     <a:srgbClr val="000000"/>
                   </a:solidFill>
@@ -9143,14 +9139,14 @@
           </a:ln>
           <a:extLst>
             <a:ext uri="{909E8E84-426E-40dd-AFC4-6F175D3DCCD1}">
-              <a14:hiddenFill xmlns:a14="http://schemas.microsoft.com/office/drawing/2010/main" xmlns="">
+              <a14:hiddenFill xmlns="" xmlns:a14="http://schemas.microsoft.com/office/drawing/2010/main">
                 <a:solidFill>
                   <a:srgbClr val="FFFFFF"/>
                 </a:solidFill>
               </a14:hiddenFill>
             </a:ext>
             <a:ext uri="{91240B29-F687-4f45-9708-019B960494DF}">
-              <a14:hiddenLine xmlns:a14="http://schemas.microsoft.com/office/drawing/2010/main" xmlns="" w="12700">
+              <a14:hiddenLine xmlns="" xmlns:a14="http://schemas.microsoft.com/office/drawing/2010/main" w="12700">
                 <a:solidFill>
                   <a:srgbClr val="000000"/>
                 </a:solidFill>
@@ -9414,14 +9410,14 @@
           </a:ln>
           <a:extLst>
             <a:ext uri="{909E8E84-426E-40dd-AFC4-6F175D3DCCD1}">
-              <a14:hiddenFill xmlns:a14="http://schemas.microsoft.com/office/drawing/2010/main" xmlns="">
+              <a14:hiddenFill xmlns="" xmlns:a14="http://schemas.microsoft.com/office/drawing/2010/main">
                 <a:solidFill>
                   <a:srgbClr val="FFFFFF"/>
                 </a:solidFill>
               </a14:hiddenFill>
             </a:ext>
             <a:ext uri="{91240B29-F687-4f45-9708-019B960494DF}">
-              <a14:hiddenLine xmlns:a14="http://schemas.microsoft.com/office/drawing/2010/main" xmlns="" w="12700">
+              <a14:hiddenLine xmlns="" xmlns:a14="http://schemas.microsoft.com/office/drawing/2010/main" w="12700">
                 <a:solidFill>
                   <a:srgbClr val="000000"/>
                 </a:solidFill>
@@ -9590,14 +9586,14 @@
           </a:ln>
           <a:extLst>
             <a:ext uri="{909E8E84-426E-40dd-AFC4-6F175D3DCCD1}">
-              <a14:hiddenFill xmlns:a14="http://schemas.microsoft.com/office/drawing/2010/main" xmlns="">
+              <a14:hiddenFill xmlns="" xmlns:a14="http://schemas.microsoft.com/office/drawing/2010/main">
                 <a:solidFill>
                   <a:srgbClr val="FFFFFF"/>
                 </a:solidFill>
               </a14:hiddenFill>
             </a:ext>
             <a:ext uri="{91240B29-F687-4f45-9708-019B960494DF}">
-              <a14:hiddenLine xmlns:a14="http://schemas.microsoft.com/office/drawing/2010/main" xmlns="" w="12700">
+              <a14:hiddenLine xmlns="" xmlns:a14="http://schemas.microsoft.com/office/drawing/2010/main" w="12700">
                 <a:solidFill>
                   <a:srgbClr val="000000"/>
                 </a:solidFill>
@@ -9766,14 +9762,14 @@
           </a:ln>
           <a:extLst>
             <a:ext uri="{909E8E84-426E-40dd-AFC4-6F175D3DCCD1}">
-              <a14:hiddenFill xmlns:a14="http://schemas.microsoft.com/office/drawing/2010/main" xmlns="">
+              <a14:hiddenFill xmlns="" xmlns:a14="http://schemas.microsoft.com/office/drawing/2010/main">
                 <a:solidFill>
                   <a:srgbClr val="FFFFFF"/>
                 </a:solidFill>
               </a14:hiddenFill>
             </a:ext>
             <a:ext uri="{91240B29-F687-4f45-9708-019B960494DF}">
-              <a14:hiddenLine xmlns:a14="http://schemas.microsoft.com/office/drawing/2010/main" xmlns="" w="12700">
+              <a14:hiddenLine xmlns="" xmlns:a14="http://schemas.microsoft.com/office/drawing/2010/main" w="12700">
                 <a:solidFill>
                   <a:srgbClr val="000000"/>
                 </a:solidFill>
@@ -9942,14 +9938,14 @@
           </a:ln>
           <a:extLst>
             <a:ext uri="{909E8E84-426E-40dd-AFC4-6F175D3DCCD1}">
-              <a14:hiddenFill xmlns:a14="http://schemas.microsoft.com/office/drawing/2010/main" xmlns="">
+              <a14:hiddenFill xmlns="" xmlns:a14="http://schemas.microsoft.com/office/drawing/2010/main">
                 <a:solidFill>
                   <a:srgbClr val="FFFFFF"/>
                 </a:solidFill>
               </a14:hiddenFill>
             </a:ext>
             <a:ext uri="{91240B29-F687-4f45-9708-019B960494DF}">
-              <a14:hiddenLine xmlns:a14="http://schemas.microsoft.com/office/drawing/2010/main" xmlns="" w="12700">
+              <a14:hiddenLine xmlns="" xmlns:a14="http://schemas.microsoft.com/office/drawing/2010/main" w="12700">
                 <a:solidFill>
                   <a:srgbClr val="000000"/>
                 </a:solidFill>
@@ -10134,14 +10130,14 @@
             </a:ln>
             <a:extLst>
               <a:ext uri="{909E8E84-426E-40dd-AFC4-6F175D3DCCD1}">
-                <a14:hiddenFill xmlns:a14="http://schemas.microsoft.com/office/drawing/2010/main" xmlns="">
+                <a14:hiddenFill xmlns="" xmlns:a14="http://schemas.microsoft.com/office/drawing/2010/main">
                   <a:solidFill>
                     <a:srgbClr val="FFFFFF"/>
                   </a:solidFill>
                 </a14:hiddenFill>
               </a:ext>
               <a:ext uri="{91240B29-F687-4f45-9708-019B960494DF}">
-                <a14:hiddenLine xmlns:a14="http://schemas.microsoft.com/office/drawing/2010/main" xmlns="" w="12700">
+                <a14:hiddenLine xmlns="" xmlns:a14="http://schemas.microsoft.com/office/drawing/2010/main" w="12700">
                   <a:solidFill>
                     <a:srgbClr val="000000"/>
                   </a:solidFill>
@@ -10310,14 +10306,14 @@
             </a:ln>
             <a:extLst>
               <a:ext uri="{909E8E84-426E-40dd-AFC4-6F175D3DCCD1}">
-                <a14:hiddenFill xmlns:a14="http://schemas.microsoft.com/office/drawing/2010/main" xmlns="">
+                <a14:hiddenFill xmlns="" xmlns:a14="http://schemas.microsoft.com/office/drawing/2010/main">
                   <a:solidFill>
                     <a:srgbClr val="FFFFFF"/>
                   </a:solidFill>
                 </a14:hiddenFill>
               </a:ext>
               <a:ext uri="{91240B29-F687-4f45-9708-019B960494DF}">
-                <a14:hiddenLine xmlns:a14="http://schemas.microsoft.com/office/drawing/2010/main" xmlns="" w="12700">
+                <a14:hiddenLine xmlns="" xmlns:a14="http://schemas.microsoft.com/office/drawing/2010/main" w="12700">
                   <a:solidFill>
                     <a:srgbClr val="000000"/>
                   </a:solidFill>
@@ -10486,14 +10482,14 @@
             </a:ln>
             <a:extLst>
               <a:ext uri="{909E8E84-426E-40dd-AFC4-6F175D3DCCD1}">
-                <a14:hiddenFill xmlns:a14="http://schemas.microsoft.com/office/drawing/2010/main" xmlns="">
+                <a14:hiddenFill xmlns="" xmlns:a14="http://schemas.microsoft.com/office/drawing/2010/main">
                   <a:solidFill>
                     <a:srgbClr val="FFFFFF"/>
                   </a:solidFill>
                 </a14:hiddenFill>
               </a:ext>
               <a:ext uri="{91240B29-F687-4f45-9708-019B960494DF}">
-                <a14:hiddenLine xmlns:a14="http://schemas.microsoft.com/office/drawing/2010/main" xmlns="" w="12700">
+                <a14:hiddenLine xmlns="" xmlns:a14="http://schemas.microsoft.com/office/drawing/2010/main" w="12700">
                   <a:solidFill>
                     <a:srgbClr val="000000"/>
                   </a:solidFill>
@@ -10668,7 +10664,7 @@
           </a:ln>
           <a:extLst>
             <a:ext uri="{909E8E84-426E-40dd-AFC4-6F175D3DCCD1}">
-              <a14:hiddenFill xmlns:a14="http://schemas.microsoft.com/office/drawing/2010/main" xmlns="">
+              <a14:hiddenFill xmlns="" xmlns:a14="http://schemas.microsoft.com/office/drawing/2010/main">
                 <a:solidFill>
                   <a:srgbClr val="FFFFFF"/>
                 </a:solidFill>
@@ -10885,7 +10881,7 @@
           </a:ln>
           <a:extLst>
             <a:ext uri="{909E8E84-426E-40dd-AFC4-6F175D3DCCD1}">
-              <a14:hiddenFill xmlns:a14="http://schemas.microsoft.com/office/drawing/2010/main" xmlns="">
+              <a14:hiddenFill xmlns="" xmlns:a14="http://schemas.microsoft.com/office/drawing/2010/main">
                 <a:solidFill>
                   <a:srgbClr val="FFFFFF"/>
                 </a:solidFill>
@@ -11053,7 +11049,7 @@
           </a:ln>
           <a:extLst>
             <a:ext uri="{909E8E84-426E-40dd-AFC4-6F175D3DCCD1}">
-              <a14:hiddenFill xmlns:a14="http://schemas.microsoft.com/office/drawing/2010/main" xmlns="">
+              <a14:hiddenFill xmlns="" xmlns:a14="http://schemas.microsoft.com/office/drawing/2010/main">
                 <a:noFill/>
               </a14:hiddenFill>
             </a:ext>
@@ -11092,14 +11088,14 @@
           </a:ln>
           <a:extLst>
             <a:ext uri="{909E8E84-426E-40dd-AFC4-6F175D3DCCD1}">
-              <a14:hiddenFill xmlns:a14="http://schemas.microsoft.com/office/drawing/2010/main" xmlns="">
+              <a14:hiddenFill xmlns="" xmlns:a14="http://schemas.microsoft.com/office/drawing/2010/main">
                 <a:solidFill>
                   <a:srgbClr val="FFFFFF"/>
                 </a:solidFill>
               </a14:hiddenFill>
             </a:ext>
             <a:ext uri="{91240B29-F687-4f45-9708-019B960494DF}">
-              <a14:hiddenLine xmlns:a14="http://schemas.microsoft.com/office/drawing/2010/main" xmlns="" w="12700">
+              <a14:hiddenLine xmlns="" xmlns:a14="http://schemas.microsoft.com/office/drawing/2010/main" w="12700">
                 <a:solidFill>
                   <a:srgbClr val="000000"/>
                 </a:solidFill>
@@ -11273,7 +11269,7 @@
           </a:ln>
           <a:extLst>
             <a:ext uri="{909E8E84-426E-40dd-AFC4-6F175D3DCCD1}">
-              <a14:hiddenFill xmlns:a14="http://schemas.microsoft.com/office/drawing/2010/main" xmlns="">
+              <a14:hiddenFill xmlns="" xmlns:a14="http://schemas.microsoft.com/office/drawing/2010/main">
                 <a:solidFill>
                   <a:srgbClr val="FFFFFF"/>
                 </a:solidFill>
@@ -11441,7 +11437,7 @@
           </a:ln>
           <a:extLst>
             <a:ext uri="{909E8E84-426E-40dd-AFC4-6F175D3DCCD1}">
-              <a14:hiddenFill xmlns:a14="http://schemas.microsoft.com/office/drawing/2010/main" xmlns="">
+              <a14:hiddenFill xmlns="" xmlns:a14="http://schemas.microsoft.com/office/drawing/2010/main">
                 <a:noFill/>
               </a14:hiddenFill>
             </a:ext>
@@ -11480,14 +11476,14 @@
           </a:ln>
           <a:extLst>
             <a:ext uri="{909E8E84-426E-40dd-AFC4-6F175D3DCCD1}">
-              <a14:hiddenFill xmlns:a14="http://schemas.microsoft.com/office/drawing/2010/main" xmlns="">
+              <a14:hiddenFill xmlns="" xmlns:a14="http://schemas.microsoft.com/office/drawing/2010/main">
                 <a:solidFill>
                   <a:srgbClr val="FFFFFF"/>
                 </a:solidFill>
               </a14:hiddenFill>
             </a:ext>
             <a:ext uri="{91240B29-F687-4f45-9708-019B960494DF}">
-              <a14:hiddenLine xmlns:a14="http://schemas.microsoft.com/office/drawing/2010/main" xmlns="" w="12700">
+              <a14:hiddenLine xmlns="" xmlns:a14="http://schemas.microsoft.com/office/drawing/2010/main" w="12700">
                 <a:solidFill>
                   <a:srgbClr val="000000"/>
                 </a:solidFill>
@@ -11661,7 +11657,7 @@
           </a:ln>
           <a:extLst>
             <a:ext uri="{909E8E84-426E-40dd-AFC4-6F175D3DCCD1}">
-              <a14:hiddenFill xmlns:a14="http://schemas.microsoft.com/office/drawing/2010/main" xmlns="">
+              <a14:hiddenFill xmlns="" xmlns:a14="http://schemas.microsoft.com/office/drawing/2010/main">
                 <a:solidFill>
                   <a:srgbClr val="FFFFFF"/>
                 </a:solidFill>
@@ -11829,7 +11825,7 @@
           </a:ln>
           <a:extLst>
             <a:ext uri="{909E8E84-426E-40dd-AFC4-6F175D3DCCD1}">
-              <a14:hiddenFill xmlns:a14="http://schemas.microsoft.com/office/drawing/2010/main" xmlns="">
+              <a14:hiddenFill xmlns="" xmlns:a14="http://schemas.microsoft.com/office/drawing/2010/main">
                 <a:noFill/>
               </a14:hiddenFill>
             </a:ext>
@@ -11868,14 +11864,14 @@
           </a:ln>
           <a:extLst>
             <a:ext uri="{909E8E84-426E-40dd-AFC4-6F175D3DCCD1}">
-              <a14:hiddenFill xmlns:a14="http://schemas.microsoft.com/office/drawing/2010/main" xmlns="">
+              <a14:hiddenFill xmlns="" xmlns:a14="http://schemas.microsoft.com/office/drawing/2010/main">
                 <a:solidFill>
                   <a:srgbClr val="FFFFFF"/>
                 </a:solidFill>
               </a14:hiddenFill>
             </a:ext>
             <a:ext uri="{91240B29-F687-4f45-9708-019B960494DF}">
-              <a14:hiddenLine xmlns:a14="http://schemas.microsoft.com/office/drawing/2010/main" xmlns="" w="12700">
+              <a14:hiddenLine xmlns="" xmlns:a14="http://schemas.microsoft.com/office/drawing/2010/main" w="12700">
                 <a:solidFill>
                   <a:srgbClr val="000000"/>
                 </a:solidFill>
@@ -12057,14 +12053,14 @@
           </a:ln>
           <a:extLst>
             <a:ext uri="{909E8E84-426E-40dd-AFC4-6F175D3DCCD1}">
-              <a14:hiddenFill xmlns:a14="http://schemas.microsoft.com/office/drawing/2010/main" xmlns="">
+              <a14:hiddenFill xmlns="" xmlns:a14="http://schemas.microsoft.com/office/drawing/2010/main">
                 <a:solidFill>
                   <a:srgbClr val="FFFFFF"/>
                 </a:solidFill>
               </a14:hiddenFill>
             </a:ext>
             <a:ext uri="{91240B29-F687-4f45-9708-019B960494DF}">
-              <a14:hiddenLine xmlns:a14="http://schemas.microsoft.com/office/drawing/2010/main" xmlns="" w="12700">
+              <a14:hiddenLine xmlns="" xmlns:a14="http://schemas.microsoft.com/office/drawing/2010/main" w="12700">
                 <a:solidFill>
                   <a:srgbClr val="000000"/>
                 </a:solidFill>
@@ -12661,7 +12657,7 @@
           </a:ln>
           <a:extLst>
             <a:ext uri="{909E8E84-426E-40dd-AFC4-6F175D3DCCD1}">
-              <a14:hiddenFill xmlns:a14="http://schemas.microsoft.com/office/drawing/2010/main" xmlns="">
+              <a14:hiddenFill xmlns="" xmlns:a14="http://schemas.microsoft.com/office/drawing/2010/main">
                 <a:solidFill>
                   <a:srgbClr val="FFFFFF"/>
                 </a:solidFill>
@@ -12878,7 +12874,7 @@
           </a:ln>
           <a:extLst>
             <a:ext uri="{909E8E84-426E-40dd-AFC4-6F175D3DCCD1}">
-              <a14:hiddenFill xmlns:a14="http://schemas.microsoft.com/office/drawing/2010/main" xmlns="">
+              <a14:hiddenFill xmlns="" xmlns:a14="http://schemas.microsoft.com/office/drawing/2010/main">
                 <a:solidFill>
                   <a:srgbClr val="FFFFFF"/>
                 </a:solidFill>
@@ -13046,7 +13042,7 @@
           </a:ln>
           <a:extLst>
             <a:ext uri="{909E8E84-426E-40dd-AFC4-6F175D3DCCD1}">
-              <a14:hiddenFill xmlns:a14="http://schemas.microsoft.com/office/drawing/2010/main" xmlns="">
+              <a14:hiddenFill xmlns="" xmlns:a14="http://schemas.microsoft.com/office/drawing/2010/main">
                 <a:noFill/>
               </a14:hiddenFill>
             </a:ext>
@@ -13085,14 +13081,14 @@
           </a:ln>
           <a:extLst>
             <a:ext uri="{909E8E84-426E-40dd-AFC4-6F175D3DCCD1}">
-              <a14:hiddenFill xmlns:a14="http://schemas.microsoft.com/office/drawing/2010/main" xmlns="">
+              <a14:hiddenFill xmlns="" xmlns:a14="http://schemas.microsoft.com/office/drawing/2010/main">
                 <a:solidFill>
                   <a:srgbClr val="FFFFFF"/>
                 </a:solidFill>
               </a14:hiddenFill>
             </a:ext>
             <a:ext uri="{91240B29-F687-4f45-9708-019B960494DF}">
-              <a14:hiddenLine xmlns:a14="http://schemas.microsoft.com/office/drawing/2010/main" xmlns="" w="12700">
+              <a14:hiddenLine xmlns="" xmlns:a14="http://schemas.microsoft.com/office/drawing/2010/main" w="12700">
                 <a:solidFill>
                   <a:srgbClr val="000000"/>
                 </a:solidFill>
@@ -13266,7 +13262,7 @@
           </a:ln>
           <a:extLst>
             <a:ext uri="{909E8E84-426E-40dd-AFC4-6F175D3DCCD1}">
-              <a14:hiddenFill xmlns:a14="http://schemas.microsoft.com/office/drawing/2010/main" xmlns="">
+              <a14:hiddenFill xmlns="" xmlns:a14="http://schemas.microsoft.com/office/drawing/2010/main">
                 <a:solidFill>
                   <a:srgbClr val="FFFFFF"/>
                 </a:solidFill>
@@ -13434,7 +13430,7 @@
           </a:ln>
           <a:extLst>
             <a:ext uri="{909E8E84-426E-40dd-AFC4-6F175D3DCCD1}">
-              <a14:hiddenFill xmlns:a14="http://schemas.microsoft.com/office/drawing/2010/main" xmlns="">
+              <a14:hiddenFill xmlns="" xmlns:a14="http://schemas.microsoft.com/office/drawing/2010/main">
                 <a:noFill/>
               </a14:hiddenFill>
             </a:ext>
@@ -13473,14 +13469,14 @@
           </a:ln>
           <a:extLst>
             <a:ext uri="{909E8E84-426E-40dd-AFC4-6F175D3DCCD1}">
-              <a14:hiddenFill xmlns:a14="http://schemas.microsoft.com/office/drawing/2010/main" xmlns="">
+              <a14:hiddenFill xmlns="" xmlns:a14="http://schemas.microsoft.com/office/drawing/2010/main">
                 <a:solidFill>
                   <a:srgbClr val="FFFFFF"/>
                 </a:solidFill>
               </a14:hiddenFill>
             </a:ext>
             <a:ext uri="{91240B29-F687-4f45-9708-019B960494DF}">
-              <a14:hiddenLine xmlns:a14="http://schemas.microsoft.com/office/drawing/2010/main" xmlns="" w="12700">
+              <a14:hiddenLine xmlns="" xmlns:a14="http://schemas.microsoft.com/office/drawing/2010/main" w="12700">
                 <a:solidFill>
                   <a:srgbClr val="000000"/>
                 </a:solidFill>
@@ -13654,7 +13650,7 @@
           </a:ln>
           <a:extLst>
             <a:ext uri="{909E8E84-426E-40dd-AFC4-6F175D3DCCD1}">
-              <a14:hiddenFill xmlns:a14="http://schemas.microsoft.com/office/drawing/2010/main" xmlns="">
+              <a14:hiddenFill xmlns="" xmlns:a14="http://schemas.microsoft.com/office/drawing/2010/main">
                 <a:solidFill>
                   <a:srgbClr val="FFFFFF"/>
                 </a:solidFill>
@@ -13822,7 +13818,7 @@
           </a:ln>
           <a:extLst>
             <a:ext uri="{909E8E84-426E-40dd-AFC4-6F175D3DCCD1}">
-              <a14:hiddenFill xmlns:a14="http://schemas.microsoft.com/office/drawing/2010/main" xmlns="">
+              <a14:hiddenFill xmlns="" xmlns:a14="http://schemas.microsoft.com/office/drawing/2010/main">
                 <a:noFill/>
               </a14:hiddenFill>
             </a:ext>
@@ -13861,14 +13857,14 @@
           </a:ln>
           <a:extLst>
             <a:ext uri="{909E8E84-426E-40dd-AFC4-6F175D3DCCD1}">
-              <a14:hiddenFill xmlns:a14="http://schemas.microsoft.com/office/drawing/2010/main" xmlns="">
+              <a14:hiddenFill xmlns="" xmlns:a14="http://schemas.microsoft.com/office/drawing/2010/main">
                 <a:solidFill>
                   <a:srgbClr val="FFFFFF"/>
                 </a:solidFill>
               </a14:hiddenFill>
             </a:ext>
             <a:ext uri="{91240B29-F687-4f45-9708-019B960494DF}">
-              <a14:hiddenLine xmlns:a14="http://schemas.microsoft.com/office/drawing/2010/main" xmlns="" w="12700">
+              <a14:hiddenLine xmlns="" xmlns:a14="http://schemas.microsoft.com/office/drawing/2010/main" w="12700">
                 <a:solidFill>
                   <a:srgbClr val="000000"/>
                 </a:solidFill>
@@ -14050,14 +14046,14 @@
           </a:ln>
           <a:extLst>
             <a:ext uri="{909E8E84-426E-40dd-AFC4-6F175D3DCCD1}">
-              <a14:hiddenFill xmlns:a14="http://schemas.microsoft.com/office/drawing/2010/main" xmlns="">
+              <a14:hiddenFill xmlns="" xmlns:a14="http://schemas.microsoft.com/office/drawing/2010/main">
                 <a:solidFill>
                   <a:srgbClr val="FFFFFF"/>
                 </a:solidFill>
               </a14:hiddenFill>
             </a:ext>
             <a:ext uri="{91240B29-F687-4f45-9708-019B960494DF}">
-              <a14:hiddenLine xmlns:a14="http://schemas.microsoft.com/office/drawing/2010/main" xmlns="" w="12700">
+              <a14:hiddenLine xmlns="" xmlns:a14="http://schemas.microsoft.com/office/drawing/2010/main" w="12700">
                 <a:solidFill>
                   <a:srgbClr val="000000"/>
                 </a:solidFill>
@@ -20249,7 +20245,7 @@
         <p:spPr>
           <a:xfrm>
             <a:off x="847724" y="5934759"/>
-            <a:ext cx="10782301" cy="461665"/>
+            <a:ext cx="10782301" cy="830997"/>
           </a:xfrm>
           <a:prstGeom prst="rect">
             <a:avLst/>
@@ -20266,16 +20262,35 @@
               <a:t>https://</a:t>
             </a:r>
             <a:r>
+              <a:rPr lang="en-US" sz="2400" dirty="0" err="1" smtClean="0"/>
+              <a:t>github.com</a:t>
+            </a:r>
+            <a:r>
+              <a:rPr lang="en-US" sz="2400" dirty="0" smtClean="0"/>
+              <a:t>/csev/dj4e-samples/blob/master/tracks/</a:t>
+            </a:r>
+            <a:r>
+              <a:rPr lang="en-US" sz="2400" dirty="0" err="1" smtClean="0"/>
+              <a:t>tracksmodel</a:t>
+            </a:r>
+            <a:r>
+              <a:rPr lang="en-US" sz="2400" dirty="0" smtClean="0"/>
+              <a:t>/</a:t>
+            </a:r>
+            <a:r>
+              <a:rPr lang="en-US" sz="2400" dirty="0" err="1" smtClean="0"/>
+              <a:t>models.py</a:t>
+            </a:r>
+            <a:endParaRPr lang="en-US" sz="2400" dirty="0" smtClean="0"/>
+          </a:p>
+          <a:p>
+            <a:r>
+              <a:rPr lang="en-US" sz="2400" dirty="0"/>
+              <a:t>https://</a:t>
+            </a:r>
+            <a:r>
               <a:rPr lang="en-US" sz="2400" dirty="0" err="1"/>
-              <a:t>github.com</a:t>
-            </a:r>
-            <a:r>
-              <a:rPr lang="en-US" sz="2400" dirty="0"/>
-              <a:t>/csev/dj4e-samples/blob/master/tracks/</a:t>
-            </a:r>
-            <a:r>
-              <a:rPr lang="en-US" sz="2400" dirty="0" err="1"/>
-              <a:t>tracksmodel</a:t>
+              <a:t>docs.djangoproject.com</a:t>
             </a:r>
             <a:r>
               <a:rPr lang="en-US" sz="2400" dirty="0"/>
@@ -20283,7 +20298,19 @@
             </a:r>
             <a:r>
               <a:rPr lang="en-US" sz="2400" dirty="0" err="1"/>
-              <a:t>models.py</a:t>
+              <a:t>en</a:t>
+            </a:r>
+            <a:r>
+              <a:rPr lang="en-US" sz="2400" dirty="0"/>
+              <a:t>/2.1/topics/</a:t>
+            </a:r>
+            <a:r>
+              <a:rPr lang="en-US" sz="2400" dirty="0" err="1"/>
+              <a:t>db</a:t>
+            </a:r>
+            <a:r>
+              <a:rPr lang="en-US" sz="2400" dirty="0"/>
+              <a:t>/models/</a:t>
             </a:r>
             <a:endParaRPr lang="en-US" sz="2400" dirty="0"/>
           </a:p>
@@ -21377,14 +21404,14 @@
       </p:sp>
       <p:sp>
         <p:nvSpPr>
-          <p:cNvPr id="3" name="Rectangle 2"/>
+          <p:cNvPr id="4" name="Rectangle 3"/>
           <p:cNvSpPr/>
           <p:nvPr/>
         </p:nvSpPr>
         <p:spPr>
           <a:xfrm>
             <a:off x="847724" y="5934759"/>
-            <a:ext cx="10782301" cy="461665"/>
+            <a:ext cx="10782301" cy="830997"/>
           </a:xfrm>
           <a:prstGeom prst="rect">
             <a:avLst/>
@@ -21401,16 +21428,35 @@
               <a:t>https://</a:t>
             </a:r>
             <a:r>
+              <a:rPr lang="en-US" sz="2400" dirty="0" err="1" smtClean="0"/>
+              <a:t>github.com</a:t>
+            </a:r>
+            <a:r>
+              <a:rPr lang="en-US" sz="2400" dirty="0" smtClean="0"/>
+              <a:t>/csev/dj4e-samples/blob/master/tracks/</a:t>
+            </a:r>
+            <a:r>
+              <a:rPr lang="en-US" sz="2400" dirty="0" err="1" smtClean="0"/>
+              <a:t>tracksmodel</a:t>
+            </a:r>
+            <a:r>
+              <a:rPr lang="en-US" sz="2400" dirty="0" smtClean="0"/>
+              <a:t>/</a:t>
+            </a:r>
+            <a:r>
+              <a:rPr lang="en-US" sz="2400" dirty="0" err="1" smtClean="0"/>
+              <a:t>models.py</a:t>
+            </a:r>
+            <a:endParaRPr lang="en-US" sz="2400" dirty="0" smtClean="0"/>
+          </a:p>
+          <a:p>
+            <a:r>
+              <a:rPr lang="en-US" sz="2400" dirty="0"/>
+              <a:t>https://</a:t>
+            </a:r>
+            <a:r>
               <a:rPr lang="en-US" sz="2400" dirty="0" err="1"/>
-              <a:t>github.com</a:t>
-            </a:r>
-            <a:r>
-              <a:rPr lang="en-US" sz="2400" dirty="0"/>
-              <a:t>/csev/dj4e-samples/blob/master/tracks/</a:t>
-            </a:r>
-            <a:r>
-              <a:rPr lang="en-US" sz="2400" dirty="0" err="1"/>
-              <a:t>tracksmodel</a:t>
+              <a:t>docs.djangoproject.com</a:t>
             </a:r>
             <a:r>
               <a:rPr lang="en-US" sz="2400" dirty="0"/>
@@ -21418,7 +21464,19 @@
             </a:r>
             <a:r>
               <a:rPr lang="en-US" sz="2400" dirty="0" err="1"/>
-              <a:t>models.py</a:t>
+              <a:t>en</a:t>
+            </a:r>
+            <a:r>
+              <a:rPr lang="en-US" sz="2400" dirty="0"/>
+              <a:t>/2.1/topics/</a:t>
+            </a:r>
+            <a:r>
+              <a:rPr lang="en-US" sz="2400" dirty="0" err="1"/>
+              <a:t>db</a:t>
+            </a:r>
+            <a:r>
+              <a:rPr lang="en-US" sz="2400" dirty="0"/>
+              <a:t>/models/</a:t>
             </a:r>
             <a:endParaRPr lang="en-US" sz="2400" dirty="0"/>
           </a:p>
@@ -23438,11 +23496,11 @@
   <p:clrMapOvr>
     <a:masterClrMapping/>
   </p:clrMapOvr>
-  <mc:AlternateContent xmlns:mc="http://schemas.openxmlformats.org/markup-compatibility/2006">
-    <mc:Choice xmlns:p14="http://schemas.microsoft.com/office/powerpoint/2010/main" Requires="p14">
+  <mc:AlternateContent xmlns:mc="http://schemas.openxmlformats.org/markup-compatibility/2006" xmlns:p14="http://schemas.microsoft.com/office/powerpoint/2010/main">
+    <mc:Choice Requires="p14">
       <p:transition spd="slow" p14:dur="2000"/>
     </mc:Choice>
-    <mc:Fallback>
+    <mc:Fallback xmlns="">
       <p:transition spd="slow"/>
     </mc:Fallback>
   </mc:AlternateContent>
@@ -23697,11 +23755,11 @@
   <p:clrMapOvr>
     <a:masterClrMapping/>
   </p:clrMapOvr>
-  <mc:AlternateContent xmlns:mc="http://schemas.openxmlformats.org/markup-compatibility/2006">
-    <mc:Choice xmlns:p14="http://schemas.microsoft.com/office/powerpoint/2010/main" Requires="p14">
+  <mc:AlternateContent xmlns:mc="http://schemas.openxmlformats.org/markup-compatibility/2006" xmlns:p14="http://schemas.microsoft.com/office/powerpoint/2010/main">
+    <mc:Choice Requires="p14">
       <p:transition spd="slow" p14:dur="2000"/>
     </mc:Choice>
-    <mc:Fallback>
+    <mc:Fallback xmlns="">
       <p:transition spd="slow"/>
     </mc:Fallback>
   </mc:AlternateContent>

--- a/lectures/DJ-04-Model-One.pptx
+++ b/lectures/DJ-04-Model-One.pptx
@@ -5,7 +5,7 @@
     <p:sldMasterId id="2147483660" r:id="rId1"/>
   </p:sldMasterIdLst>
   <p:notesMasterIdLst>
-    <p:notesMasterId r:id="rId28"/>
+    <p:notesMasterId r:id="rId30"/>
   </p:notesMasterIdLst>
   <p:sldIdLst>
     <p:sldId id="258" r:id="rId2"/>
@@ -27,13 +27,15 @@
     <p:sldId id="288" r:id="rId18"/>
     <p:sldId id="289" r:id="rId19"/>
     <p:sldId id="290" r:id="rId20"/>
-    <p:sldId id="291" r:id="rId21"/>
-    <p:sldId id="292" r:id="rId22"/>
-    <p:sldId id="293" r:id="rId23"/>
-    <p:sldId id="294" r:id="rId24"/>
-    <p:sldId id="307" r:id="rId25"/>
-    <p:sldId id="308" r:id="rId26"/>
-    <p:sldId id="273" r:id="rId27"/>
+    <p:sldId id="309" r:id="rId21"/>
+    <p:sldId id="291" r:id="rId22"/>
+    <p:sldId id="292" r:id="rId23"/>
+    <p:sldId id="293" r:id="rId24"/>
+    <p:sldId id="294" r:id="rId25"/>
+    <p:sldId id="307" r:id="rId26"/>
+    <p:sldId id="310" r:id="rId27"/>
+    <p:sldId id="308" r:id="rId28"/>
+    <p:sldId id="273" r:id="rId29"/>
   </p:sldIdLst>
   <p:sldSz cx="12192000" cy="6858000"/>
   <p:notesSz cx="6858000" cy="9144000"/>
@@ -222,7 +224,7 @@
           <a:p>
             <a:fld id="{C97B56FC-7D2E-F343-9D09-0D14B00AA564}" type="datetimeFigureOut">
               <a:rPr lang="en-US" smtClean="0"/>
-              <a:t>1/23/19</a:t>
+              <a:t>2/8/19</a:t>
             </a:fld>
             <a:endParaRPr lang="en-US"/>
           </a:p>
@@ -668,7 +670,7 @@
               <ma14:placeholderFlag xmlns:ma14="http://schemas.microsoft.com/office/mac/drawingml/2011/main" val="1"/>
             </a:ext>
             <a:ext uri="{909E8E84-426E-40dd-AFC4-6F175D3DCCD1}">
-              <a14:hiddenFill xmlns="" xmlns:a14="http://schemas.microsoft.com/office/drawing/2010/main">
+              <a14:hiddenFill xmlns:a14="http://schemas.microsoft.com/office/drawing/2010/main" xmlns="">
                 <a:solidFill>
                   <a:srgbClr val="FFFFFF"/>
                 </a:solidFill>
@@ -693,14 +695,14 @@
               <ma14:placeholderFlag xmlns:ma14="http://schemas.microsoft.com/office/mac/drawingml/2011/main" val="1"/>
             </a:ext>
             <a:ext uri="{909E8E84-426E-40dd-AFC4-6F175D3DCCD1}">
-              <a14:hiddenFill xmlns="" xmlns:a14="http://schemas.microsoft.com/office/drawing/2010/main">
+              <a14:hiddenFill xmlns:a14="http://schemas.microsoft.com/office/drawing/2010/main" xmlns="">
                 <a:solidFill>
                   <a:srgbClr val="FFFFFF"/>
                 </a:solidFill>
               </a14:hiddenFill>
             </a:ext>
             <a:ext uri="{91240B29-F687-4f45-9708-019B960494DF}">
-              <a14:hiddenLine xmlns="" xmlns:a14="http://schemas.microsoft.com/office/drawing/2010/main" w="9525">
+              <a14:hiddenLine xmlns:a14="http://schemas.microsoft.com/office/drawing/2010/main" xmlns="" w="9525">
                 <a:solidFill>
                   <a:srgbClr val="000000"/>
                 </a:solidFill>
@@ -749,14 +751,14 @@
           <a:noFill/>
           <a:extLst>
             <a:ext uri="{909E8E84-426E-40dd-AFC4-6F175D3DCCD1}">
-              <a14:hiddenFill xmlns="" xmlns:a14="http://schemas.microsoft.com/office/drawing/2010/main">
+              <a14:hiddenFill xmlns:a14="http://schemas.microsoft.com/office/drawing/2010/main" xmlns="">
                 <a:solidFill>
                   <a:srgbClr val="FFFFFF"/>
                 </a:solidFill>
               </a14:hiddenFill>
             </a:ext>
             <a:ext uri="{91240B29-F687-4f45-9708-019B960494DF}">
-              <a14:hiddenLine xmlns="" xmlns:a14="http://schemas.microsoft.com/office/drawing/2010/main" w="9525">
+              <a14:hiddenLine xmlns:a14="http://schemas.microsoft.com/office/drawing/2010/main" xmlns="" w="9525">
                 <a:solidFill>
                   <a:srgbClr val="000000"/>
                 </a:solidFill>
@@ -981,7 +983,7 @@
               <ma14:placeholderFlag xmlns:ma14="http://schemas.microsoft.com/office/mac/drawingml/2011/main" val="1"/>
             </a:ext>
             <a:ext uri="{909E8E84-426E-40dd-AFC4-6F175D3DCCD1}">
-              <a14:hiddenFill xmlns="" xmlns:a14="http://schemas.microsoft.com/office/drawing/2010/main">
+              <a14:hiddenFill xmlns:a14="http://schemas.microsoft.com/office/drawing/2010/main" xmlns="">
                 <a:solidFill>
                   <a:srgbClr val="FFFFFF"/>
                 </a:solidFill>
@@ -1006,14 +1008,14 @@
               <ma14:placeholderFlag xmlns:ma14="http://schemas.microsoft.com/office/mac/drawingml/2011/main" val="1"/>
             </a:ext>
             <a:ext uri="{909E8E84-426E-40dd-AFC4-6F175D3DCCD1}">
-              <a14:hiddenFill xmlns="" xmlns:a14="http://schemas.microsoft.com/office/drawing/2010/main">
+              <a14:hiddenFill xmlns:a14="http://schemas.microsoft.com/office/drawing/2010/main" xmlns="">
                 <a:solidFill>
                   <a:srgbClr val="FFFFFF"/>
                 </a:solidFill>
               </a14:hiddenFill>
             </a:ext>
             <a:ext uri="{91240B29-F687-4f45-9708-019B960494DF}">
-              <a14:hiddenLine xmlns="" xmlns:a14="http://schemas.microsoft.com/office/drawing/2010/main" w="9525">
+              <a14:hiddenLine xmlns:a14="http://schemas.microsoft.com/office/drawing/2010/main" xmlns="" w="9525">
                 <a:solidFill>
                   <a:srgbClr val="000000"/>
                 </a:solidFill>
@@ -1062,14 +1064,14 @@
           <a:noFill/>
           <a:extLst>
             <a:ext uri="{909E8E84-426E-40dd-AFC4-6F175D3DCCD1}">
-              <a14:hiddenFill xmlns="" xmlns:a14="http://schemas.microsoft.com/office/drawing/2010/main">
+              <a14:hiddenFill xmlns:a14="http://schemas.microsoft.com/office/drawing/2010/main" xmlns="">
                 <a:solidFill>
                   <a:srgbClr val="FFFFFF"/>
                 </a:solidFill>
               </a14:hiddenFill>
             </a:ext>
             <a:ext uri="{91240B29-F687-4f45-9708-019B960494DF}">
-              <a14:hiddenLine xmlns="" xmlns:a14="http://schemas.microsoft.com/office/drawing/2010/main" w="9525">
+              <a14:hiddenLine xmlns:a14="http://schemas.microsoft.com/office/drawing/2010/main" xmlns="" w="9525">
                 <a:solidFill>
                   <a:srgbClr val="000000"/>
                 </a:solidFill>
@@ -2211,7 +2213,7 @@
                 <a:cs typeface="Arial" charset="0"/>
                 <a:sym typeface="Cabin"/>
               </a:rPr>
-              <a:t>20</a:t>
+              <a:t>21</a:t>
             </a:fld>
             <a:endParaRPr lang="en" sz="1200" u="none" strike="noStrike" cap="none">
               <a:solidFill>
@@ -4235,7 +4237,7 @@
           <a:p>
             <a:fld id="{EEE7C04C-7AF8-1445-A186-502B631B934F}" type="datetimeFigureOut">
               <a:rPr lang="en-US" smtClean="0"/>
-              <a:t>1/23/19</a:t>
+              <a:t>2/8/19</a:t>
             </a:fld>
             <a:endParaRPr lang="en-US"/>
           </a:p>
@@ -4400,7 +4402,7 @@
           <a:p>
             <a:fld id="{EEE7C04C-7AF8-1445-A186-502B631B934F}" type="datetimeFigureOut">
               <a:rPr lang="en-US" smtClean="0"/>
-              <a:t>1/23/19</a:t>
+              <a:t>2/8/19</a:t>
             </a:fld>
             <a:endParaRPr lang="en-US"/>
           </a:p>
@@ -4575,7 +4577,7 @@
           <a:p>
             <a:fld id="{EEE7C04C-7AF8-1445-A186-502B631B934F}" type="datetimeFigureOut">
               <a:rPr lang="en-US" smtClean="0"/>
-              <a:t>1/23/19</a:t>
+              <a:t>2/8/19</a:t>
             </a:fld>
             <a:endParaRPr lang="en-US"/>
           </a:p>
@@ -4740,7 +4742,7 @@
           <a:p>
             <a:fld id="{EEE7C04C-7AF8-1445-A186-502B631B934F}" type="datetimeFigureOut">
               <a:rPr lang="en-US" smtClean="0"/>
-              <a:t>1/23/19</a:t>
+              <a:t>2/8/19</a:t>
             </a:fld>
             <a:endParaRPr lang="en-US"/>
           </a:p>
@@ -4981,7 +4983,7 @@
           <a:p>
             <a:fld id="{EEE7C04C-7AF8-1445-A186-502B631B934F}" type="datetimeFigureOut">
               <a:rPr lang="en-US" smtClean="0"/>
-              <a:t>1/23/19</a:t>
+              <a:t>2/8/19</a:t>
             </a:fld>
             <a:endParaRPr lang="en-US"/>
           </a:p>
@@ -5208,7 +5210,7 @@
           <a:p>
             <a:fld id="{EEE7C04C-7AF8-1445-A186-502B631B934F}" type="datetimeFigureOut">
               <a:rPr lang="en-US" smtClean="0"/>
-              <a:t>1/23/19</a:t>
+              <a:t>2/8/19</a:t>
             </a:fld>
             <a:endParaRPr lang="en-US"/>
           </a:p>
@@ -5570,7 +5572,7 @@
           <a:p>
             <a:fld id="{EEE7C04C-7AF8-1445-A186-502B631B934F}" type="datetimeFigureOut">
               <a:rPr lang="en-US" smtClean="0"/>
-              <a:t>1/23/19</a:t>
+              <a:t>2/8/19</a:t>
             </a:fld>
             <a:endParaRPr lang="en-US"/>
           </a:p>
@@ -5683,7 +5685,7 @@
           <a:p>
             <a:fld id="{EEE7C04C-7AF8-1445-A186-502B631B934F}" type="datetimeFigureOut">
               <a:rPr lang="en-US" smtClean="0"/>
-              <a:t>1/23/19</a:t>
+              <a:t>2/8/19</a:t>
             </a:fld>
             <a:endParaRPr lang="en-US"/>
           </a:p>
@@ -5773,7 +5775,7 @@
           <a:p>
             <a:fld id="{EEE7C04C-7AF8-1445-A186-502B631B934F}" type="datetimeFigureOut">
               <a:rPr lang="en-US" smtClean="0"/>
-              <a:t>1/23/19</a:t>
+              <a:t>2/8/19</a:t>
             </a:fld>
             <a:endParaRPr lang="en-US"/>
           </a:p>
@@ -6045,7 +6047,7 @@
           <a:p>
             <a:fld id="{EEE7C04C-7AF8-1445-A186-502B631B934F}" type="datetimeFigureOut">
               <a:rPr lang="en-US" smtClean="0"/>
-              <a:t>1/23/19</a:t>
+              <a:t>2/8/19</a:t>
             </a:fld>
             <a:endParaRPr lang="en-US"/>
           </a:p>
@@ -6297,7 +6299,7 @@
           <a:p>
             <a:fld id="{EEE7C04C-7AF8-1445-A186-502B631B934F}" type="datetimeFigureOut">
               <a:rPr lang="en-US" smtClean="0"/>
-              <a:t>1/23/19</a:t>
+              <a:t>2/8/19</a:t>
             </a:fld>
             <a:endParaRPr lang="en-US"/>
           </a:p>
@@ -6505,7 +6507,7 @@
           <a:p>
             <a:fld id="{EEE7C04C-7AF8-1445-A186-502B631B934F}" type="datetimeFigureOut">
               <a:rPr lang="en-US" smtClean="0"/>
-              <a:t>1/23/19</a:t>
+              <a:t>2/8/19</a:t>
             </a:fld>
             <a:endParaRPr lang="en-US"/>
           </a:p>
@@ -6923,10 +6925,10 @@
           <p:cNvPr id="10" name="Rectangle 9">
             <a:extLst>
               <a:ext uri="{FF2B5EF4-FFF2-40B4-BE49-F238E27FC236}">
-                <a16:creationId xmlns="" xmlns:a16="http://schemas.microsoft.com/office/drawing/2014/main" id="{E20EB187-900F-4AF5-813B-101456D9FD39}"/>
+                <a16:creationId xmlns:a16="http://schemas.microsoft.com/office/drawing/2014/main" xmlns="" id="{E20EB187-900F-4AF5-813B-101456D9FD39}"/>
               </a:ext>
               <a:ext uri="{C183D7F6-B498-43B3-948B-1728B52AA6E4}">
-                <adec:decorative xmlns="" xmlns:adec="http://schemas.microsoft.com/office/drawing/2017/decorative" val="1"/>
+                <adec:decorative xmlns:adec="http://schemas.microsoft.com/office/drawing/2017/decorative" xmlns="" val="1"/>
               </a:ext>
             </a:extLst>
           </p:cNvPr>
@@ -7107,10 +7109,10 @@
           <p:cNvPr id="12" name="Straight Connector 11">
             <a:extLst>
               <a:ext uri="{FF2B5EF4-FFF2-40B4-BE49-F238E27FC236}">
-                <a16:creationId xmlns="" xmlns:a16="http://schemas.microsoft.com/office/drawing/2014/main" id="{624D17C8-E9C2-48A4-AA36-D7048A6CCC41}"/>
+                <a16:creationId xmlns:a16="http://schemas.microsoft.com/office/drawing/2014/main" xmlns="" id="{624D17C8-E9C2-48A4-AA36-D7048A6CCC41}"/>
               </a:ext>
               <a:ext uri="{C183D7F6-B498-43B3-948B-1728B52AA6E4}">
-                <adec:decorative xmlns="" xmlns:adec="http://schemas.microsoft.com/office/drawing/2017/decorative" val="1"/>
+                <adec:decorative xmlns:adec="http://schemas.microsoft.com/office/drawing/2017/decorative" xmlns="" val="1"/>
               </a:ext>
             </a:extLst>
           </p:cNvPr>
@@ -7799,14 +7801,14 @@
           </a:ln>
           <a:extLst>
             <a:ext uri="{909E8E84-426E-40dd-AFC4-6F175D3DCCD1}">
-              <a14:hiddenFill xmlns="" xmlns:a14="http://schemas.microsoft.com/office/drawing/2010/main">
+              <a14:hiddenFill xmlns:a14="http://schemas.microsoft.com/office/drawing/2010/main" xmlns="">
                 <a:solidFill>
                   <a:srgbClr val="FFFFFF"/>
                 </a:solidFill>
               </a14:hiddenFill>
             </a:ext>
             <a:ext uri="{91240B29-F687-4f45-9708-019B960494DF}">
-              <a14:hiddenLine xmlns="" xmlns:a14="http://schemas.microsoft.com/office/drawing/2010/main" w="12700">
+              <a14:hiddenLine xmlns:a14="http://schemas.microsoft.com/office/drawing/2010/main" xmlns="" w="12700">
                 <a:solidFill>
                   <a:srgbClr val="000000"/>
                 </a:solidFill>
@@ -7877,14 +7879,14 @@
           </a:ln>
           <a:extLst>
             <a:ext uri="{909E8E84-426E-40dd-AFC4-6F175D3DCCD1}">
-              <a14:hiddenFill xmlns="" xmlns:a14="http://schemas.microsoft.com/office/drawing/2010/main">
+              <a14:hiddenFill xmlns:a14="http://schemas.microsoft.com/office/drawing/2010/main" xmlns="">
                 <a:solidFill>
                   <a:srgbClr val="FFFFFF"/>
                 </a:solidFill>
               </a14:hiddenFill>
             </a:ext>
             <a:ext uri="{91240B29-F687-4f45-9708-019B960494DF}">
-              <a14:hiddenLine xmlns="" xmlns:a14="http://schemas.microsoft.com/office/drawing/2010/main" w="12700">
+              <a14:hiddenLine xmlns:a14="http://schemas.microsoft.com/office/drawing/2010/main" xmlns="" w="12700">
                 <a:solidFill>
                   <a:srgbClr val="000000"/>
                 </a:solidFill>
@@ -8053,14 +8055,14 @@
           </a:ln>
           <a:extLst>
             <a:ext uri="{909E8E84-426E-40dd-AFC4-6F175D3DCCD1}">
-              <a14:hiddenFill xmlns="" xmlns:a14="http://schemas.microsoft.com/office/drawing/2010/main">
+              <a14:hiddenFill xmlns:a14="http://schemas.microsoft.com/office/drawing/2010/main" xmlns="">
                 <a:solidFill>
                   <a:srgbClr val="FFFFFF"/>
                 </a:solidFill>
               </a14:hiddenFill>
             </a:ext>
             <a:ext uri="{91240B29-F687-4f45-9708-019B960494DF}">
-              <a14:hiddenLine xmlns="" xmlns:a14="http://schemas.microsoft.com/office/drawing/2010/main" w="12700">
+              <a14:hiddenLine xmlns:a14="http://schemas.microsoft.com/office/drawing/2010/main" xmlns="" w="12700">
                 <a:solidFill>
                   <a:srgbClr val="000000"/>
                 </a:solidFill>
@@ -8229,14 +8231,14 @@
           </a:ln>
           <a:extLst>
             <a:ext uri="{909E8E84-426E-40dd-AFC4-6F175D3DCCD1}">
-              <a14:hiddenFill xmlns="" xmlns:a14="http://schemas.microsoft.com/office/drawing/2010/main">
+              <a14:hiddenFill xmlns:a14="http://schemas.microsoft.com/office/drawing/2010/main" xmlns="">
                 <a:solidFill>
                   <a:srgbClr val="FFFFFF"/>
                 </a:solidFill>
               </a14:hiddenFill>
             </a:ext>
             <a:ext uri="{91240B29-F687-4f45-9708-019B960494DF}">
-              <a14:hiddenLine xmlns="" xmlns:a14="http://schemas.microsoft.com/office/drawing/2010/main" w="12700">
+              <a14:hiddenLine xmlns:a14="http://schemas.microsoft.com/office/drawing/2010/main" xmlns="" w="12700">
                 <a:solidFill>
                   <a:srgbClr val="000000"/>
                 </a:solidFill>
@@ -8405,14 +8407,14 @@
           </a:ln>
           <a:extLst>
             <a:ext uri="{909E8E84-426E-40dd-AFC4-6F175D3DCCD1}">
-              <a14:hiddenFill xmlns="" xmlns:a14="http://schemas.microsoft.com/office/drawing/2010/main">
+              <a14:hiddenFill xmlns:a14="http://schemas.microsoft.com/office/drawing/2010/main" xmlns="">
                 <a:solidFill>
                   <a:srgbClr val="FFFFFF"/>
                 </a:solidFill>
               </a14:hiddenFill>
             </a:ext>
             <a:ext uri="{91240B29-F687-4f45-9708-019B960494DF}">
-              <a14:hiddenLine xmlns="" xmlns:a14="http://schemas.microsoft.com/office/drawing/2010/main" w="12700">
+              <a14:hiddenLine xmlns:a14="http://schemas.microsoft.com/office/drawing/2010/main" xmlns="" w="12700">
                 <a:solidFill>
                   <a:srgbClr val="000000"/>
                 </a:solidFill>
@@ -8597,14 +8599,14 @@
             </a:ln>
             <a:extLst>
               <a:ext uri="{909E8E84-426E-40dd-AFC4-6F175D3DCCD1}">
-                <a14:hiddenFill xmlns="" xmlns:a14="http://schemas.microsoft.com/office/drawing/2010/main">
+                <a14:hiddenFill xmlns:a14="http://schemas.microsoft.com/office/drawing/2010/main" xmlns="">
                   <a:solidFill>
                     <a:srgbClr val="FFFFFF"/>
                   </a:solidFill>
                 </a14:hiddenFill>
               </a:ext>
               <a:ext uri="{91240B29-F687-4f45-9708-019B960494DF}">
-                <a14:hiddenLine xmlns="" xmlns:a14="http://schemas.microsoft.com/office/drawing/2010/main" w="12700">
+                <a14:hiddenLine xmlns:a14="http://schemas.microsoft.com/office/drawing/2010/main" xmlns="" w="12700">
                   <a:solidFill>
                     <a:srgbClr val="000000"/>
                   </a:solidFill>
@@ -8773,14 +8775,14 @@
             </a:ln>
             <a:extLst>
               <a:ext uri="{909E8E84-426E-40dd-AFC4-6F175D3DCCD1}">
-                <a14:hiddenFill xmlns="" xmlns:a14="http://schemas.microsoft.com/office/drawing/2010/main">
+                <a14:hiddenFill xmlns:a14="http://schemas.microsoft.com/office/drawing/2010/main" xmlns="">
                   <a:solidFill>
                     <a:srgbClr val="FFFFFF"/>
                   </a:solidFill>
                 </a14:hiddenFill>
               </a:ext>
               <a:ext uri="{91240B29-F687-4f45-9708-019B960494DF}">
-                <a14:hiddenLine xmlns="" xmlns:a14="http://schemas.microsoft.com/office/drawing/2010/main" w="12700">
+                <a14:hiddenLine xmlns:a14="http://schemas.microsoft.com/office/drawing/2010/main" xmlns="" w="12700">
                   <a:solidFill>
                     <a:srgbClr val="000000"/>
                   </a:solidFill>
@@ -8949,14 +8951,14 @@
             </a:ln>
             <a:extLst>
               <a:ext uri="{909E8E84-426E-40dd-AFC4-6F175D3DCCD1}">
-                <a14:hiddenFill xmlns="" xmlns:a14="http://schemas.microsoft.com/office/drawing/2010/main">
+                <a14:hiddenFill xmlns:a14="http://schemas.microsoft.com/office/drawing/2010/main" xmlns="">
                   <a:solidFill>
                     <a:srgbClr val="FFFFFF"/>
                   </a:solidFill>
                 </a14:hiddenFill>
               </a:ext>
               <a:ext uri="{91240B29-F687-4f45-9708-019B960494DF}">
-                <a14:hiddenLine xmlns="" xmlns:a14="http://schemas.microsoft.com/office/drawing/2010/main" w="12700">
+                <a14:hiddenLine xmlns:a14="http://schemas.microsoft.com/office/drawing/2010/main" xmlns="" w="12700">
                   <a:solidFill>
                     <a:srgbClr val="000000"/>
                   </a:solidFill>
@@ -9139,14 +9141,14 @@
           </a:ln>
           <a:extLst>
             <a:ext uri="{909E8E84-426E-40dd-AFC4-6F175D3DCCD1}">
-              <a14:hiddenFill xmlns="" xmlns:a14="http://schemas.microsoft.com/office/drawing/2010/main">
+              <a14:hiddenFill xmlns:a14="http://schemas.microsoft.com/office/drawing/2010/main" xmlns="">
                 <a:solidFill>
                   <a:srgbClr val="FFFFFF"/>
                 </a:solidFill>
               </a14:hiddenFill>
             </a:ext>
             <a:ext uri="{91240B29-F687-4f45-9708-019B960494DF}">
-              <a14:hiddenLine xmlns="" xmlns:a14="http://schemas.microsoft.com/office/drawing/2010/main" w="12700">
+              <a14:hiddenLine xmlns:a14="http://schemas.microsoft.com/office/drawing/2010/main" xmlns="" w="12700">
                 <a:solidFill>
                   <a:srgbClr val="000000"/>
                 </a:solidFill>
@@ -9410,14 +9412,14 @@
           </a:ln>
           <a:extLst>
             <a:ext uri="{909E8E84-426E-40dd-AFC4-6F175D3DCCD1}">
-              <a14:hiddenFill xmlns="" xmlns:a14="http://schemas.microsoft.com/office/drawing/2010/main">
+              <a14:hiddenFill xmlns:a14="http://schemas.microsoft.com/office/drawing/2010/main" xmlns="">
                 <a:solidFill>
                   <a:srgbClr val="FFFFFF"/>
                 </a:solidFill>
               </a14:hiddenFill>
             </a:ext>
             <a:ext uri="{91240B29-F687-4f45-9708-019B960494DF}">
-              <a14:hiddenLine xmlns="" xmlns:a14="http://schemas.microsoft.com/office/drawing/2010/main" w="12700">
+              <a14:hiddenLine xmlns:a14="http://schemas.microsoft.com/office/drawing/2010/main" xmlns="" w="12700">
                 <a:solidFill>
                   <a:srgbClr val="000000"/>
                 </a:solidFill>
@@ -9586,14 +9588,14 @@
           </a:ln>
           <a:extLst>
             <a:ext uri="{909E8E84-426E-40dd-AFC4-6F175D3DCCD1}">
-              <a14:hiddenFill xmlns="" xmlns:a14="http://schemas.microsoft.com/office/drawing/2010/main">
+              <a14:hiddenFill xmlns:a14="http://schemas.microsoft.com/office/drawing/2010/main" xmlns="">
                 <a:solidFill>
                   <a:srgbClr val="FFFFFF"/>
                 </a:solidFill>
               </a14:hiddenFill>
             </a:ext>
             <a:ext uri="{91240B29-F687-4f45-9708-019B960494DF}">
-              <a14:hiddenLine xmlns="" xmlns:a14="http://schemas.microsoft.com/office/drawing/2010/main" w="12700">
+              <a14:hiddenLine xmlns:a14="http://schemas.microsoft.com/office/drawing/2010/main" xmlns="" w="12700">
                 <a:solidFill>
                   <a:srgbClr val="000000"/>
                 </a:solidFill>
@@ -9762,14 +9764,14 @@
           </a:ln>
           <a:extLst>
             <a:ext uri="{909E8E84-426E-40dd-AFC4-6F175D3DCCD1}">
-              <a14:hiddenFill xmlns="" xmlns:a14="http://schemas.microsoft.com/office/drawing/2010/main">
+              <a14:hiddenFill xmlns:a14="http://schemas.microsoft.com/office/drawing/2010/main" xmlns="">
                 <a:solidFill>
                   <a:srgbClr val="FFFFFF"/>
                 </a:solidFill>
               </a14:hiddenFill>
             </a:ext>
             <a:ext uri="{91240B29-F687-4f45-9708-019B960494DF}">
-              <a14:hiddenLine xmlns="" xmlns:a14="http://schemas.microsoft.com/office/drawing/2010/main" w="12700">
+              <a14:hiddenLine xmlns:a14="http://schemas.microsoft.com/office/drawing/2010/main" xmlns="" w="12700">
                 <a:solidFill>
                   <a:srgbClr val="000000"/>
                 </a:solidFill>
@@ -9938,14 +9940,14 @@
           </a:ln>
           <a:extLst>
             <a:ext uri="{909E8E84-426E-40dd-AFC4-6F175D3DCCD1}">
-              <a14:hiddenFill xmlns="" xmlns:a14="http://schemas.microsoft.com/office/drawing/2010/main">
+              <a14:hiddenFill xmlns:a14="http://schemas.microsoft.com/office/drawing/2010/main" xmlns="">
                 <a:solidFill>
                   <a:srgbClr val="FFFFFF"/>
                 </a:solidFill>
               </a14:hiddenFill>
             </a:ext>
             <a:ext uri="{91240B29-F687-4f45-9708-019B960494DF}">
-              <a14:hiddenLine xmlns="" xmlns:a14="http://schemas.microsoft.com/office/drawing/2010/main" w="12700">
+              <a14:hiddenLine xmlns:a14="http://schemas.microsoft.com/office/drawing/2010/main" xmlns="" w="12700">
                 <a:solidFill>
                   <a:srgbClr val="000000"/>
                 </a:solidFill>
@@ -10130,14 +10132,14 @@
             </a:ln>
             <a:extLst>
               <a:ext uri="{909E8E84-426E-40dd-AFC4-6F175D3DCCD1}">
-                <a14:hiddenFill xmlns="" xmlns:a14="http://schemas.microsoft.com/office/drawing/2010/main">
+                <a14:hiddenFill xmlns:a14="http://schemas.microsoft.com/office/drawing/2010/main" xmlns="">
                   <a:solidFill>
                     <a:srgbClr val="FFFFFF"/>
                   </a:solidFill>
                 </a14:hiddenFill>
               </a:ext>
               <a:ext uri="{91240B29-F687-4f45-9708-019B960494DF}">
-                <a14:hiddenLine xmlns="" xmlns:a14="http://schemas.microsoft.com/office/drawing/2010/main" w="12700">
+                <a14:hiddenLine xmlns:a14="http://schemas.microsoft.com/office/drawing/2010/main" xmlns="" w="12700">
                   <a:solidFill>
                     <a:srgbClr val="000000"/>
                   </a:solidFill>
@@ -10306,14 +10308,14 @@
             </a:ln>
             <a:extLst>
               <a:ext uri="{909E8E84-426E-40dd-AFC4-6F175D3DCCD1}">
-                <a14:hiddenFill xmlns="" xmlns:a14="http://schemas.microsoft.com/office/drawing/2010/main">
+                <a14:hiddenFill xmlns:a14="http://schemas.microsoft.com/office/drawing/2010/main" xmlns="">
                   <a:solidFill>
                     <a:srgbClr val="FFFFFF"/>
                   </a:solidFill>
                 </a14:hiddenFill>
               </a:ext>
               <a:ext uri="{91240B29-F687-4f45-9708-019B960494DF}">
-                <a14:hiddenLine xmlns="" xmlns:a14="http://schemas.microsoft.com/office/drawing/2010/main" w="12700">
+                <a14:hiddenLine xmlns:a14="http://schemas.microsoft.com/office/drawing/2010/main" xmlns="" w="12700">
                   <a:solidFill>
                     <a:srgbClr val="000000"/>
                   </a:solidFill>
@@ -10482,14 +10484,14 @@
             </a:ln>
             <a:extLst>
               <a:ext uri="{909E8E84-426E-40dd-AFC4-6F175D3DCCD1}">
-                <a14:hiddenFill xmlns="" xmlns:a14="http://schemas.microsoft.com/office/drawing/2010/main">
+                <a14:hiddenFill xmlns:a14="http://schemas.microsoft.com/office/drawing/2010/main" xmlns="">
                   <a:solidFill>
                     <a:srgbClr val="FFFFFF"/>
                   </a:solidFill>
                 </a14:hiddenFill>
               </a:ext>
               <a:ext uri="{91240B29-F687-4f45-9708-019B960494DF}">
-                <a14:hiddenLine xmlns="" xmlns:a14="http://schemas.microsoft.com/office/drawing/2010/main" w="12700">
+                <a14:hiddenLine xmlns:a14="http://schemas.microsoft.com/office/drawing/2010/main" xmlns="" w="12700">
                   <a:solidFill>
                     <a:srgbClr val="000000"/>
                   </a:solidFill>
@@ -10664,7 +10666,7 @@
           </a:ln>
           <a:extLst>
             <a:ext uri="{909E8E84-426E-40dd-AFC4-6F175D3DCCD1}">
-              <a14:hiddenFill xmlns="" xmlns:a14="http://schemas.microsoft.com/office/drawing/2010/main">
+              <a14:hiddenFill xmlns:a14="http://schemas.microsoft.com/office/drawing/2010/main" xmlns="">
                 <a:solidFill>
                   <a:srgbClr val="FFFFFF"/>
                 </a:solidFill>
@@ -10881,7 +10883,7 @@
           </a:ln>
           <a:extLst>
             <a:ext uri="{909E8E84-426E-40dd-AFC4-6F175D3DCCD1}">
-              <a14:hiddenFill xmlns="" xmlns:a14="http://schemas.microsoft.com/office/drawing/2010/main">
+              <a14:hiddenFill xmlns:a14="http://schemas.microsoft.com/office/drawing/2010/main" xmlns="">
                 <a:solidFill>
                   <a:srgbClr val="FFFFFF"/>
                 </a:solidFill>
@@ -11049,7 +11051,7 @@
           </a:ln>
           <a:extLst>
             <a:ext uri="{909E8E84-426E-40dd-AFC4-6F175D3DCCD1}">
-              <a14:hiddenFill xmlns="" xmlns:a14="http://schemas.microsoft.com/office/drawing/2010/main">
+              <a14:hiddenFill xmlns:a14="http://schemas.microsoft.com/office/drawing/2010/main" xmlns="">
                 <a:noFill/>
               </a14:hiddenFill>
             </a:ext>
@@ -11088,14 +11090,14 @@
           </a:ln>
           <a:extLst>
             <a:ext uri="{909E8E84-426E-40dd-AFC4-6F175D3DCCD1}">
-              <a14:hiddenFill xmlns="" xmlns:a14="http://schemas.microsoft.com/office/drawing/2010/main">
+              <a14:hiddenFill xmlns:a14="http://schemas.microsoft.com/office/drawing/2010/main" xmlns="">
                 <a:solidFill>
                   <a:srgbClr val="FFFFFF"/>
                 </a:solidFill>
               </a14:hiddenFill>
             </a:ext>
             <a:ext uri="{91240B29-F687-4f45-9708-019B960494DF}">
-              <a14:hiddenLine xmlns="" xmlns:a14="http://schemas.microsoft.com/office/drawing/2010/main" w="12700">
+              <a14:hiddenLine xmlns:a14="http://schemas.microsoft.com/office/drawing/2010/main" xmlns="" w="12700">
                 <a:solidFill>
                   <a:srgbClr val="000000"/>
                 </a:solidFill>
@@ -11269,7 +11271,7 @@
           </a:ln>
           <a:extLst>
             <a:ext uri="{909E8E84-426E-40dd-AFC4-6F175D3DCCD1}">
-              <a14:hiddenFill xmlns="" xmlns:a14="http://schemas.microsoft.com/office/drawing/2010/main">
+              <a14:hiddenFill xmlns:a14="http://schemas.microsoft.com/office/drawing/2010/main" xmlns="">
                 <a:solidFill>
                   <a:srgbClr val="FFFFFF"/>
                 </a:solidFill>
@@ -11437,7 +11439,7 @@
           </a:ln>
           <a:extLst>
             <a:ext uri="{909E8E84-426E-40dd-AFC4-6F175D3DCCD1}">
-              <a14:hiddenFill xmlns="" xmlns:a14="http://schemas.microsoft.com/office/drawing/2010/main">
+              <a14:hiddenFill xmlns:a14="http://schemas.microsoft.com/office/drawing/2010/main" xmlns="">
                 <a:noFill/>
               </a14:hiddenFill>
             </a:ext>
@@ -11476,14 +11478,14 @@
           </a:ln>
           <a:extLst>
             <a:ext uri="{909E8E84-426E-40dd-AFC4-6F175D3DCCD1}">
-              <a14:hiddenFill xmlns="" xmlns:a14="http://schemas.microsoft.com/office/drawing/2010/main">
+              <a14:hiddenFill xmlns:a14="http://schemas.microsoft.com/office/drawing/2010/main" xmlns="">
                 <a:solidFill>
                   <a:srgbClr val="FFFFFF"/>
                 </a:solidFill>
               </a14:hiddenFill>
             </a:ext>
             <a:ext uri="{91240B29-F687-4f45-9708-019B960494DF}">
-              <a14:hiddenLine xmlns="" xmlns:a14="http://schemas.microsoft.com/office/drawing/2010/main" w="12700">
+              <a14:hiddenLine xmlns:a14="http://schemas.microsoft.com/office/drawing/2010/main" xmlns="" w="12700">
                 <a:solidFill>
                   <a:srgbClr val="000000"/>
                 </a:solidFill>
@@ -11657,7 +11659,7 @@
           </a:ln>
           <a:extLst>
             <a:ext uri="{909E8E84-426E-40dd-AFC4-6F175D3DCCD1}">
-              <a14:hiddenFill xmlns="" xmlns:a14="http://schemas.microsoft.com/office/drawing/2010/main">
+              <a14:hiddenFill xmlns:a14="http://schemas.microsoft.com/office/drawing/2010/main" xmlns="">
                 <a:solidFill>
                   <a:srgbClr val="FFFFFF"/>
                 </a:solidFill>
@@ -11825,7 +11827,7 @@
           </a:ln>
           <a:extLst>
             <a:ext uri="{909E8E84-426E-40dd-AFC4-6F175D3DCCD1}">
-              <a14:hiddenFill xmlns="" xmlns:a14="http://schemas.microsoft.com/office/drawing/2010/main">
+              <a14:hiddenFill xmlns:a14="http://schemas.microsoft.com/office/drawing/2010/main" xmlns="">
                 <a:noFill/>
               </a14:hiddenFill>
             </a:ext>
@@ -11864,14 +11866,14 @@
           </a:ln>
           <a:extLst>
             <a:ext uri="{909E8E84-426E-40dd-AFC4-6F175D3DCCD1}">
-              <a14:hiddenFill xmlns="" xmlns:a14="http://schemas.microsoft.com/office/drawing/2010/main">
+              <a14:hiddenFill xmlns:a14="http://schemas.microsoft.com/office/drawing/2010/main" xmlns="">
                 <a:solidFill>
                   <a:srgbClr val="FFFFFF"/>
                 </a:solidFill>
               </a14:hiddenFill>
             </a:ext>
             <a:ext uri="{91240B29-F687-4f45-9708-019B960494DF}">
-              <a14:hiddenLine xmlns="" xmlns:a14="http://schemas.microsoft.com/office/drawing/2010/main" w="12700">
+              <a14:hiddenLine xmlns:a14="http://schemas.microsoft.com/office/drawing/2010/main" xmlns="" w="12700">
                 <a:solidFill>
                   <a:srgbClr val="000000"/>
                 </a:solidFill>
@@ -12053,14 +12055,14 @@
           </a:ln>
           <a:extLst>
             <a:ext uri="{909E8E84-426E-40dd-AFC4-6F175D3DCCD1}">
-              <a14:hiddenFill xmlns="" xmlns:a14="http://schemas.microsoft.com/office/drawing/2010/main">
+              <a14:hiddenFill xmlns:a14="http://schemas.microsoft.com/office/drawing/2010/main" xmlns="">
                 <a:solidFill>
                   <a:srgbClr val="FFFFFF"/>
                 </a:solidFill>
               </a14:hiddenFill>
             </a:ext>
             <a:ext uri="{91240B29-F687-4f45-9708-019B960494DF}">
-              <a14:hiddenLine xmlns="" xmlns:a14="http://schemas.microsoft.com/office/drawing/2010/main" w="12700">
+              <a14:hiddenLine xmlns:a14="http://schemas.microsoft.com/office/drawing/2010/main" xmlns="" w="12700">
                 <a:solidFill>
                   <a:srgbClr val="000000"/>
                 </a:solidFill>
@@ -12657,7 +12659,7 @@
           </a:ln>
           <a:extLst>
             <a:ext uri="{909E8E84-426E-40dd-AFC4-6F175D3DCCD1}">
-              <a14:hiddenFill xmlns="" xmlns:a14="http://schemas.microsoft.com/office/drawing/2010/main">
+              <a14:hiddenFill xmlns:a14="http://schemas.microsoft.com/office/drawing/2010/main" xmlns="">
                 <a:solidFill>
                   <a:srgbClr val="FFFFFF"/>
                 </a:solidFill>
@@ -12874,7 +12876,7 @@
           </a:ln>
           <a:extLst>
             <a:ext uri="{909E8E84-426E-40dd-AFC4-6F175D3DCCD1}">
-              <a14:hiddenFill xmlns="" xmlns:a14="http://schemas.microsoft.com/office/drawing/2010/main">
+              <a14:hiddenFill xmlns:a14="http://schemas.microsoft.com/office/drawing/2010/main" xmlns="">
                 <a:solidFill>
                   <a:srgbClr val="FFFFFF"/>
                 </a:solidFill>
@@ -13042,7 +13044,7 @@
           </a:ln>
           <a:extLst>
             <a:ext uri="{909E8E84-426E-40dd-AFC4-6F175D3DCCD1}">
-              <a14:hiddenFill xmlns="" xmlns:a14="http://schemas.microsoft.com/office/drawing/2010/main">
+              <a14:hiddenFill xmlns:a14="http://schemas.microsoft.com/office/drawing/2010/main" xmlns="">
                 <a:noFill/>
               </a14:hiddenFill>
             </a:ext>
@@ -13081,14 +13083,14 @@
           </a:ln>
           <a:extLst>
             <a:ext uri="{909E8E84-426E-40dd-AFC4-6F175D3DCCD1}">
-              <a14:hiddenFill xmlns="" xmlns:a14="http://schemas.microsoft.com/office/drawing/2010/main">
+              <a14:hiddenFill xmlns:a14="http://schemas.microsoft.com/office/drawing/2010/main" xmlns="">
                 <a:solidFill>
                   <a:srgbClr val="FFFFFF"/>
                 </a:solidFill>
               </a14:hiddenFill>
             </a:ext>
             <a:ext uri="{91240B29-F687-4f45-9708-019B960494DF}">
-              <a14:hiddenLine xmlns="" xmlns:a14="http://schemas.microsoft.com/office/drawing/2010/main" w="12700">
+              <a14:hiddenLine xmlns:a14="http://schemas.microsoft.com/office/drawing/2010/main" xmlns="" w="12700">
                 <a:solidFill>
                   <a:srgbClr val="000000"/>
                 </a:solidFill>
@@ -13262,7 +13264,7 @@
           </a:ln>
           <a:extLst>
             <a:ext uri="{909E8E84-426E-40dd-AFC4-6F175D3DCCD1}">
-              <a14:hiddenFill xmlns="" xmlns:a14="http://schemas.microsoft.com/office/drawing/2010/main">
+              <a14:hiddenFill xmlns:a14="http://schemas.microsoft.com/office/drawing/2010/main" xmlns="">
                 <a:solidFill>
                   <a:srgbClr val="FFFFFF"/>
                 </a:solidFill>
@@ -13430,7 +13432,7 @@
           </a:ln>
           <a:extLst>
             <a:ext uri="{909E8E84-426E-40dd-AFC4-6F175D3DCCD1}">
-              <a14:hiddenFill xmlns="" xmlns:a14="http://schemas.microsoft.com/office/drawing/2010/main">
+              <a14:hiddenFill xmlns:a14="http://schemas.microsoft.com/office/drawing/2010/main" xmlns="">
                 <a:noFill/>
               </a14:hiddenFill>
             </a:ext>
@@ -13469,14 +13471,14 @@
           </a:ln>
           <a:extLst>
             <a:ext uri="{909E8E84-426E-40dd-AFC4-6F175D3DCCD1}">
-              <a14:hiddenFill xmlns="" xmlns:a14="http://schemas.microsoft.com/office/drawing/2010/main">
+              <a14:hiddenFill xmlns:a14="http://schemas.microsoft.com/office/drawing/2010/main" xmlns="">
                 <a:solidFill>
                   <a:srgbClr val="FFFFFF"/>
                 </a:solidFill>
               </a14:hiddenFill>
             </a:ext>
             <a:ext uri="{91240B29-F687-4f45-9708-019B960494DF}">
-              <a14:hiddenLine xmlns="" xmlns:a14="http://schemas.microsoft.com/office/drawing/2010/main" w="12700">
+              <a14:hiddenLine xmlns:a14="http://schemas.microsoft.com/office/drawing/2010/main" xmlns="" w="12700">
                 <a:solidFill>
                   <a:srgbClr val="000000"/>
                 </a:solidFill>
@@ -13650,7 +13652,7 @@
           </a:ln>
           <a:extLst>
             <a:ext uri="{909E8E84-426E-40dd-AFC4-6F175D3DCCD1}">
-              <a14:hiddenFill xmlns="" xmlns:a14="http://schemas.microsoft.com/office/drawing/2010/main">
+              <a14:hiddenFill xmlns:a14="http://schemas.microsoft.com/office/drawing/2010/main" xmlns="">
                 <a:solidFill>
                   <a:srgbClr val="FFFFFF"/>
                 </a:solidFill>
@@ -13818,7 +13820,7 @@
           </a:ln>
           <a:extLst>
             <a:ext uri="{909E8E84-426E-40dd-AFC4-6F175D3DCCD1}">
-              <a14:hiddenFill xmlns="" xmlns:a14="http://schemas.microsoft.com/office/drawing/2010/main">
+              <a14:hiddenFill xmlns:a14="http://schemas.microsoft.com/office/drawing/2010/main" xmlns="">
                 <a:noFill/>
               </a14:hiddenFill>
             </a:ext>
@@ -13857,14 +13859,14 @@
           </a:ln>
           <a:extLst>
             <a:ext uri="{909E8E84-426E-40dd-AFC4-6F175D3DCCD1}">
-              <a14:hiddenFill xmlns="" xmlns:a14="http://schemas.microsoft.com/office/drawing/2010/main">
+              <a14:hiddenFill xmlns:a14="http://schemas.microsoft.com/office/drawing/2010/main" xmlns="">
                 <a:solidFill>
                   <a:srgbClr val="FFFFFF"/>
                 </a:solidFill>
               </a14:hiddenFill>
             </a:ext>
             <a:ext uri="{91240B29-F687-4f45-9708-019B960494DF}">
-              <a14:hiddenLine xmlns="" xmlns:a14="http://schemas.microsoft.com/office/drawing/2010/main" w="12700">
+              <a14:hiddenLine xmlns:a14="http://schemas.microsoft.com/office/drawing/2010/main" xmlns="" w="12700">
                 <a:solidFill>
                   <a:srgbClr val="000000"/>
                 </a:solidFill>
@@ -14046,14 +14048,14 @@
           </a:ln>
           <a:extLst>
             <a:ext uri="{909E8E84-426E-40dd-AFC4-6F175D3DCCD1}">
-              <a14:hiddenFill xmlns="" xmlns:a14="http://schemas.microsoft.com/office/drawing/2010/main">
+              <a14:hiddenFill xmlns:a14="http://schemas.microsoft.com/office/drawing/2010/main" xmlns="">
                 <a:solidFill>
                   <a:srgbClr val="FFFFFF"/>
                 </a:solidFill>
               </a14:hiddenFill>
             </a:ext>
             <a:ext uri="{91240B29-F687-4f45-9708-019B960494DF}">
-              <a14:hiddenLine xmlns="" xmlns:a14="http://schemas.microsoft.com/office/drawing/2010/main" w="12700">
+              <a14:hiddenLine xmlns:a14="http://schemas.microsoft.com/office/drawing/2010/main" xmlns="" w="12700">
                 <a:solidFill>
                   <a:srgbClr val="000000"/>
                 </a:solidFill>
@@ -16772,6 +16774,559 @@
   <p:cSld>
     <p:spTree>
       <p:nvGrpSpPr>
+        <p:cNvPr id="1" name=""/>
+        <p:cNvGrpSpPr/>
+        <p:nvPr/>
+      </p:nvGrpSpPr>
+      <p:grpSpPr>
+        <a:xfrm>
+          <a:off x="0" y="0"/>
+          <a:ext cx="0" cy="0"/>
+          <a:chOff x="0" y="0"/>
+          <a:chExt cx="0" cy="0"/>
+        </a:xfrm>
+      </p:grpSpPr>
+      <p:sp>
+        <p:nvSpPr>
+          <p:cNvPr id="3" name="Title 2"/>
+          <p:cNvSpPr>
+            <a:spLocks noGrp="1"/>
+          </p:cNvSpPr>
+          <p:nvPr>
+            <p:ph type="title"/>
+          </p:nvPr>
+        </p:nvSpPr>
+        <p:spPr/>
+        <p:txBody>
+          <a:bodyPr/>
+          <a:lstStyle/>
+          <a:p>
+            <a:r>
+              <a:rPr lang="en-US" dirty="0" smtClean="0"/>
+              <a:t>Model Field Types</a:t>
+            </a:r>
+            <a:endParaRPr lang="en-US" dirty="0"/>
+          </a:p>
+        </p:txBody>
+      </p:sp>
+      <p:sp>
+        <p:nvSpPr>
+          <p:cNvPr id="4" name="Content Placeholder 3"/>
+          <p:cNvSpPr>
+            <a:spLocks noGrp="1"/>
+          </p:cNvSpPr>
+          <p:nvPr>
+            <p:ph sz="half" idx="1"/>
+          </p:nvPr>
+        </p:nvSpPr>
+        <p:spPr>
+          <a:xfrm>
+            <a:off x="538157" y="1716089"/>
+            <a:ext cx="3190875" cy="4351338"/>
+          </a:xfrm>
+        </p:spPr>
+        <p:txBody>
+          <a:bodyPr>
+            <a:normAutofit fontScale="92500" lnSpcReduction="20000"/>
+          </a:bodyPr>
+          <a:lstStyle/>
+          <a:p>
+            <a:r>
+              <a:rPr lang="en-US" dirty="0" err="1" smtClean="0"/>
+              <a:t>AutoField</a:t>
+            </a:r>
+            <a:endParaRPr lang="en-US" dirty="0" smtClean="0"/>
+          </a:p>
+          <a:p>
+            <a:r>
+              <a:rPr lang="en-US" dirty="0" err="1" smtClean="0"/>
+              <a:t>BigAutoField</a:t>
+            </a:r>
+            <a:endParaRPr lang="en-US" dirty="0" smtClean="0"/>
+          </a:p>
+          <a:p>
+            <a:r>
+              <a:rPr lang="en-US" dirty="0" err="1" smtClean="0"/>
+              <a:t>BigIntegerField</a:t>
+            </a:r>
+            <a:endParaRPr lang="en-US" dirty="0" smtClean="0"/>
+          </a:p>
+          <a:p>
+            <a:r>
+              <a:rPr lang="en-US" dirty="0" err="1" smtClean="0"/>
+              <a:t>BinaryField</a:t>
+            </a:r>
+            <a:endParaRPr lang="en-US" dirty="0" smtClean="0"/>
+          </a:p>
+          <a:p>
+            <a:r>
+              <a:rPr lang="en-US" dirty="0" err="1" smtClean="0"/>
+              <a:t>BooleanField</a:t>
+            </a:r>
+            <a:endParaRPr lang="en-US" dirty="0" smtClean="0"/>
+          </a:p>
+          <a:p>
+            <a:r>
+              <a:rPr lang="en-US" dirty="0" err="1" smtClean="0"/>
+              <a:t>CharField</a:t>
+            </a:r>
+            <a:endParaRPr lang="en-US" dirty="0" smtClean="0"/>
+          </a:p>
+          <a:p>
+            <a:r>
+              <a:rPr lang="en-US" dirty="0" err="1" smtClean="0"/>
+              <a:t>DateField</a:t>
+            </a:r>
+            <a:endParaRPr lang="en-US" dirty="0" smtClean="0"/>
+          </a:p>
+          <a:p>
+            <a:r>
+              <a:rPr lang="en-US" dirty="0" err="1" smtClean="0"/>
+              <a:t>DateTimeField</a:t>
+            </a:r>
+            <a:endParaRPr lang="en-US" dirty="0" smtClean="0"/>
+          </a:p>
+          <a:p>
+            <a:r>
+              <a:rPr lang="en-US" dirty="0" err="1" smtClean="0"/>
+              <a:t>DecimalField</a:t>
+            </a:r>
+            <a:endParaRPr lang="en-US" dirty="0" smtClean="0"/>
+          </a:p>
+          <a:p>
+            <a:r>
+              <a:rPr lang="en-US" dirty="0" err="1"/>
+              <a:t>DurationField</a:t>
+            </a:r>
+            <a:endParaRPr lang="en-US" dirty="0" smtClean="0"/>
+          </a:p>
+          <a:p>
+            <a:endParaRPr lang="en-US" dirty="0"/>
+          </a:p>
+        </p:txBody>
+      </p:sp>
+      <p:sp>
+        <p:nvSpPr>
+          <p:cNvPr id="5" name="Content Placeholder 4"/>
+          <p:cNvSpPr>
+            <a:spLocks noGrp="1"/>
+          </p:cNvSpPr>
+          <p:nvPr>
+            <p:ph sz="half" idx="2"/>
+          </p:nvPr>
+        </p:nvSpPr>
+        <p:spPr>
+          <a:xfrm>
+            <a:off x="3729032" y="1716089"/>
+            <a:ext cx="3529013" cy="4351338"/>
+          </a:xfrm>
+        </p:spPr>
+        <p:txBody>
+          <a:bodyPr>
+            <a:normAutofit fontScale="92500" lnSpcReduction="20000"/>
+          </a:bodyPr>
+          <a:lstStyle/>
+          <a:p>
+            <a:r>
+              <a:rPr lang="en-US" dirty="0" err="1" smtClean="0"/>
+              <a:t>EmailField</a:t>
+            </a:r>
+            <a:endParaRPr lang="en-US" dirty="0" smtClean="0"/>
+          </a:p>
+          <a:p>
+            <a:r>
+              <a:rPr lang="en-US" dirty="0" err="1" smtClean="0"/>
+              <a:t>FileField</a:t>
+            </a:r>
+            <a:endParaRPr lang="en-US" dirty="0"/>
+          </a:p>
+          <a:p>
+            <a:r>
+              <a:rPr lang="en-US" dirty="0" err="1" smtClean="0"/>
+              <a:t>FilePathField</a:t>
+            </a:r>
+            <a:endParaRPr lang="en-US" dirty="0" smtClean="0"/>
+          </a:p>
+          <a:p>
+            <a:r>
+              <a:rPr lang="en-US" dirty="0" err="1" smtClean="0"/>
+              <a:t>FloatField</a:t>
+            </a:r>
+            <a:endParaRPr lang="en-US" dirty="0" smtClean="0"/>
+          </a:p>
+          <a:p>
+            <a:r>
+              <a:rPr lang="en-US" dirty="0" err="1" smtClean="0"/>
+              <a:t>ImageField</a:t>
+            </a:r>
+            <a:endParaRPr lang="en-US" dirty="0"/>
+          </a:p>
+          <a:p>
+            <a:r>
+              <a:rPr lang="en-US" dirty="0" err="1" smtClean="0"/>
+              <a:t>IntegerField</a:t>
+            </a:r>
+            <a:endParaRPr lang="en-US" dirty="0" smtClean="0"/>
+          </a:p>
+          <a:p>
+            <a:r>
+              <a:rPr lang="en-US" dirty="0" err="1"/>
+              <a:t>GenericIPAddressField</a:t>
+            </a:r>
+            <a:endParaRPr lang="en-US" dirty="0"/>
+          </a:p>
+          <a:p>
+            <a:r>
+              <a:rPr lang="en-US" dirty="0" err="1" smtClean="0"/>
+              <a:t>NullBooleanField</a:t>
+            </a:r>
+            <a:endParaRPr lang="en-US" dirty="0" smtClean="0"/>
+          </a:p>
+          <a:p>
+            <a:r>
+              <a:rPr lang="en-US" dirty="0" err="1" smtClean="0"/>
+              <a:t>PositiveIntegerField</a:t>
+            </a:r>
+            <a:endParaRPr lang="en-US" dirty="0" smtClean="0"/>
+          </a:p>
+        </p:txBody>
+      </p:sp>
+      <p:sp>
+        <p:nvSpPr>
+          <p:cNvPr id="6" name="Rectangle 5"/>
+          <p:cNvSpPr/>
+          <p:nvPr/>
+        </p:nvSpPr>
+        <p:spPr>
+          <a:xfrm>
+            <a:off x="3259198" y="6311900"/>
+            <a:ext cx="6781280" cy="369332"/>
+          </a:xfrm>
+          <a:prstGeom prst="rect">
+            <a:avLst/>
+          </a:prstGeom>
+        </p:spPr>
+        <p:txBody>
+          <a:bodyPr wrap="none">
+            <a:spAutoFit/>
+          </a:bodyPr>
+          <a:lstStyle/>
+          <a:p>
+            <a:r>
+              <a:rPr lang="en-US" dirty="0"/>
+              <a:t>https://</a:t>
+            </a:r>
+            <a:r>
+              <a:rPr lang="en-US" dirty="0" err="1"/>
+              <a:t>docs.djangoproject.com</a:t>
+            </a:r>
+            <a:r>
+              <a:rPr lang="en-US" dirty="0"/>
+              <a:t>/</a:t>
+            </a:r>
+            <a:r>
+              <a:rPr lang="en-US" dirty="0" err="1"/>
+              <a:t>en</a:t>
+            </a:r>
+            <a:r>
+              <a:rPr lang="en-US" dirty="0"/>
+              <a:t>/2.1/ref/models/fields/#field-types</a:t>
+            </a:r>
+          </a:p>
+        </p:txBody>
+      </p:sp>
+      <p:sp>
+        <p:nvSpPr>
+          <p:cNvPr id="7" name="Content Placeholder 4"/>
+          <p:cNvSpPr txBox="1">
+            <a:spLocks/>
+          </p:cNvSpPr>
+          <p:nvPr/>
+        </p:nvSpPr>
+        <p:spPr>
+          <a:xfrm>
+            <a:off x="7450926" y="1716089"/>
+            <a:ext cx="4329112" cy="3898899"/>
+          </a:xfrm>
+          <a:prstGeom prst="rect">
+            <a:avLst/>
+          </a:prstGeom>
+        </p:spPr>
+        <p:txBody>
+          <a:bodyPr vert="horz" lIns="91440" tIns="45720" rIns="91440" bIns="45720" rtlCol="0">
+            <a:normAutofit fontScale="92500" lnSpcReduction="20000"/>
+          </a:bodyPr>
+          <a:lstStyle>
+            <a:lvl1pPr marL="228600" indent="-228600" algn="l" defTabSz="914400" rtl="0" eaLnBrk="1" latinLnBrk="0" hangingPunct="1">
+              <a:lnSpc>
+                <a:spcPct val="90000"/>
+              </a:lnSpc>
+              <a:spcBef>
+                <a:spcPts val="1000"/>
+              </a:spcBef>
+              <a:buFont typeface="Arial" panose="020B0604020202020204" pitchFamily="34" charset="0"/>
+              <a:buChar char="•"/>
+              <a:defRPr sz="2800" kern="1200">
+                <a:solidFill>
+                  <a:schemeClr val="tx1"/>
+                </a:solidFill>
+                <a:latin typeface="+mn-lt"/>
+                <a:ea typeface="+mn-ea"/>
+                <a:cs typeface="+mn-cs"/>
+              </a:defRPr>
+            </a:lvl1pPr>
+            <a:lvl2pPr marL="685800" indent="-228600" algn="l" defTabSz="914400" rtl="0" eaLnBrk="1" latinLnBrk="0" hangingPunct="1">
+              <a:lnSpc>
+                <a:spcPct val="90000"/>
+              </a:lnSpc>
+              <a:spcBef>
+                <a:spcPts val="500"/>
+              </a:spcBef>
+              <a:buFont typeface="Arial" panose="020B0604020202020204" pitchFamily="34" charset="0"/>
+              <a:buChar char="•"/>
+              <a:defRPr sz="2400" kern="1200">
+                <a:solidFill>
+                  <a:schemeClr val="tx1"/>
+                </a:solidFill>
+                <a:latin typeface="+mn-lt"/>
+                <a:ea typeface="+mn-ea"/>
+                <a:cs typeface="+mn-cs"/>
+              </a:defRPr>
+            </a:lvl2pPr>
+            <a:lvl3pPr marL="1143000" indent="-228600" algn="l" defTabSz="914400" rtl="0" eaLnBrk="1" latinLnBrk="0" hangingPunct="1">
+              <a:lnSpc>
+                <a:spcPct val="90000"/>
+              </a:lnSpc>
+              <a:spcBef>
+                <a:spcPts val="500"/>
+              </a:spcBef>
+              <a:buFont typeface="Arial" panose="020B0604020202020204" pitchFamily="34" charset="0"/>
+              <a:buChar char="•"/>
+              <a:defRPr sz="2000" kern="1200">
+                <a:solidFill>
+                  <a:schemeClr val="tx1"/>
+                </a:solidFill>
+                <a:latin typeface="+mn-lt"/>
+                <a:ea typeface="+mn-ea"/>
+                <a:cs typeface="+mn-cs"/>
+              </a:defRPr>
+            </a:lvl3pPr>
+            <a:lvl4pPr marL="1600200" indent="-228600" algn="l" defTabSz="914400" rtl="0" eaLnBrk="1" latinLnBrk="0" hangingPunct="1">
+              <a:lnSpc>
+                <a:spcPct val="90000"/>
+              </a:lnSpc>
+              <a:spcBef>
+                <a:spcPts val="500"/>
+              </a:spcBef>
+              <a:buFont typeface="Arial" panose="020B0604020202020204" pitchFamily="34" charset="0"/>
+              <a:buChar char="•"/>
+              <a:defRPr sz="1800" kern="1200">
+                <a:solidFill>
+                  <a:schemeClr val="tx1"/>
+                </a:solidFill>
+                <a:latin typeface="+mn-lt"/>
+                <a:ea typeface="+mn-ea"/>
+                <a:cs typeface="+mn-cs"/>
+              </a:defRPr>
+            </a:lvl4pPr>
+            <a:lvl5pPr marL="2057400" indent="-228600" algn="l" defTabSz="914400" rtl="0" eaLnBrk="1" latinLnBrk="0" hangingPunct="1">
+              <a:lnSpc>
+                <a:spcPct val="90000"/>
+              </a:lnSpc>
+              <a:spcBef>
+                <a:spcPts val="500"/>
+              </a:spcBef>
+              <a:buFont typeface="Arial" panose="020B0604020202020204" pitchFamily="34" charset="0"/>
+              <a:buChar char="•"/>
+              <a:defRPr sz="1800" kern="1200">
+                <a:solidFill>
+                  <a:schemeClr val="tx1"/>
+                </a:solidFill>
+                <a:latin typeface="+mn-lt"/>
+                <a:ea typeface="+mn-ea"/>
+                <a:cs typeface="+mn-cs"/>
+              </a:defRPr>
+            </a:lvl5pPr>
+            <a:lvl6pPr marL="2514600" indent="-228600" algn="l" defTabSz="914400" rtl="0" eaLnBrk="1" latinLnBrk="0" hangingPunct="1">
+              <a:lnSpc>
+                <a:spcPct val="90000"/>
+              </a:lnSpc>
+              <a:spcBef>
+                <a:spcPts val="500"/>
+              </a:spcBef>
+              <a:buFont typeface="Arial" panose="020B0604020202020204" pitchFamily="34" charset="0"/>
+              <a:buChar char="•"/>
+              <a:defRPr sz="1800" kern="1200">
+                <a:solidFill>
+                  <a:schemeClr val="tx1"/>
+                </a:solidFill>
+                <a:latin typeface="+mn-lt"/>
+                <a:ea typeface="+mn-ea"/>
+                <a:cs typeface="+mn-cs"/>
+              </a:defRPr>
+            </a:lvl6pPr>
+            <a:lvl7pPr marL="2971800" indent="-228600" algn="l" defTabSz="914400" rtl="0" eaLnBrk="1" latinLnBrk="0" hangingPunct="1">
+              <a:lnSpc>
+                <a:spcPct val="90000"/>
+              </a:lnSpc>
+              <a:spcBef>
+                <a:spcPts val="500"/>
+              </a:spcBef>
+              <a:buFont typeface="Arial" panose="020B0604020202020204" pitchFamily="34" charset="0"/>
+              <a:buChar char="•"/>
+              <a:defRPr sz="1800" kern="1200">
+                <a:solidFill>
+                  <a:schemeClr val="tx1"/>
+                </a:solidFill>
+                <a:latin typeface="+mn-lt"/>
+                <a:ea typeface="+mn-ea"/>
+                <a:cs typeface="+mn-cs"/>
+              </a:defRPr>
+            </a:lvl7pPr>
+            <a:lvl8pPr marL="3429000" indent="-228600" algn="l" defTabSz="914400" rtl="0" eaLnBrk="1" latinLnBrk="0" hangingPunct="1">
+              <a:lnSpc>
+                <a:spcPct val="90000"/>
+              </a:lnSpc>
+              <a:spcBef>
+                <a:spcPts val="500"/>
+              </a:spcBef>
+              <a:buFont typeface="Arial" panose="020B0604020202020204" pitchFamily="34" charset="0"/>
+              <a:buChar char="•"/>
+              <a:defRPr sz="1800" kern="1200">
+                <a:solidFill>
+                  <a:schemeClr val="tx1"/>
+                </a:solidFill>
+                <a:latin typeface="+mn-lt"/>
+                <a:ea typeface="+mn-ea"/>
+                <a:cs typeface="+mn-cs"/>
+              </a:defRPr>
+            </a:lvl8pPr>
+            <a:lvl9pPr marL="3886200" indent="-228600" algn="l" defTabSz="914400" rtl="0" eaLnBrk="1" latinLnBrk="0" hangingPunct="1">
+              <a:lnSpc>
+                <a:spcPct val="90000"/>
+              </a:lnSpc>
+              <a:spcBef>
+                <a:spcPts val="500"/>
+              </a:spcBef>
+              <a:buFont typeface="Arial" panose="020B0604020202020204" pitchFamily="34" charset="0"/>
+              <a:buChar char="•"/>
+              <a:defRPr sz="1800" kern="1200">
+                <a:solidFill>
+                  <a:schemeClr val="tx1"/>
+                </a:solidFill>
+                <a:latin typeface="+mn-lt"/>
+                <a:ea typeface="+mn-ea"/>
+                <a:cs typeface="+mn-cs"/>
+              </a:defRPr>
+            </a:lvl9pPr>
+          </a:lstStyle>
+          <a:p>
+            <a:r>
+              <a:rPr lang="en-US" dirty="0" err="1"/>
+              <a:t>PositiveSmallIntegerField</a:t>
+            </a:r>
+            <a:endParaRPr lang="en-US" dirty="0"/>
+          </a:p>
+          <a:p>
+            <a:r>
+              <a:rPr lang="en-US" dirty="0" err="1" smtClean="0"/>
+              <a:t>SlugField</a:t>
+            </a:r>
+            <a:endParaRPr lang="en-US" dirty="0" smtClean="0"/>
+          </a:p>
+          <a:p>
+            <a:r>
+              <a:rPr lang="en-US" dirty="0" err="1" smtClean="0"/>
+              <a:t>SmallIntegerField</a:t>
+            </a:r>
+            <a:endParaRPr lang="en-US" dirty="0" smtClean="0"/>
+          </a:p>
+          <a:p>
+            <a:r>
+              <a:rPr lang="en-US" dirty="0" err="1" smtClean="0"/>
+              <a:t>TextFIeld</a:t>
+            </a:r>
+            <a:endParaRPr lang="en-US" dirty="0" smtClean="0"/>
+          </a:p>
+          <a:p>
+            <a:r>
+              <a:rPr lang="en-US" dirty="0" err="1" smtClean="0"/>
+              <a:t>TimeField</a:t>
+            </a:r>
+            <a:endParaRPr lang="en-US" dirty="0" smtClean="0"/>
+          </a:p>
+          <a:p>
+            <a:r>
+              <a:rPr lang="en-US" dirty="0" err="1" smtClean="0"/>
+              <a:t>URLField</a:t>
+            </a:r>
+            <a:endParaRPr lang="en-US" dirty="0" smtClean="0"/>
+          </a:p>
+          <a:p>
+            <a:r>
+              <a:rPr lang="en-US" dirty="0" err="1" smtClean="0">
+                <a:solidFill>
+                  <a:srgbClr val="FFFF00"/>
+                </a:solidFill>
+              </a:rPr>
+              <a:t>ForeignKey</a:t>
+            </a:r>
+            <a:endParaRPr lang="en-US" dirty="0" smtClean="0">
+              <a:solidFill>
+                <a:srgbClr val="FFFF00"/>
+              </a:solidFill>
+            </a:endParaRPr>
+          </a:p>
+          <a:p>
+            <a:r>
+              <a:rPr lang="en-US" dirty="0" err="1" smtClean="0">
+                <a:solidFill>
+                  <a:srgbClr val="FFFF00"/>
+                </a:solidFill>
+              </a:rPr>
+              <a:t>ManyToManyField</a:t>
+            </a:r>
+            <a:endParaRPr lang="en-US" dirty="0" smtClean="0">
+              <a:solidFill>
+                <a:srgbClr val="FFFF00"/>
+              </a:solidFill>
+            </a:endParaRPr>
+          </a:p>
+          <a:p>
+            <a:r>
+              <a:rPr lang="en-US" dirty="0" err="1" smtClean="0">
+                <a:solidFill>
+                  <a:srgbClr val="FFFF00"/>
+                </a:solidFill>
+              </a:rPr>
+              <a:t>OneToOneField</a:t>
+            </a:r>
+            <a:endParaRPr lang="en-US" dirty="0">
+              <a:solidFill>
+                <a:srgbClr val="FFFF00"/>
+              </a:solidFill>
+            </a:endParaRPr>
+          </a:p>
+        </p:txBody>
+      </p:sp>
+    </p:spTree>
+    <p:extLst>
+      <p:ext uri="{BB962C8B-B14F-4D97-AF65-F5344CB8AC3E}">
+        <p14:creationId xmlns:p14="http://schemas.microsoft.com/office/powerpoint/2010/main" val="1602219130"/>
+      </p:ext>
+    </p:extLst>
+  </p:cSld>
+  <p:clrMapOvr>
+    <a:masterClrMapping/>
+  </p:clrMapOvr>
+</p:sld>
+</file>
+
+<file path=ppt/slides/slide21.xml><?xml version="1.0" encoding="utf-8"?>
+<p:sld xmlns:a="http://schemas.openxmlformats.org/drawingml/2006/main" xmlns:r="http://schemas.openxmlformats.org/officeDocument/2006/relationships" xmlns:p="http://schemas.openxmlformats.org/presentationml/2006/main">
+  <p:cSld>
+    <p:spTree>
+      <p:nvGrpSpPr>
         <p:cNvPr id="1" name="Shape 648"/>
         <p:cNvGrpSpPr/>
         <p:nvPr/>
@@ -17371,7 +17926,7 @@
 </p:sld>
 </file>
 
-<file path=ppt/slides/slide21.xml><?xml version="1.0" encoding="utf-8"?>
+<file path=ppt/slides/slide22.xml><?xml version="1.0" encoding="utf-8"?>
 <p:sld xmlns:a="http://schemas.openxmlformats.org/drawingml/2006/main" xmlns:r="http://schemas.openxmlformats.org/officeDocument/2006/relationships" xmlns:p="http://schemas.openxmlformats.org/presentationml/2006/main">
   <p:cSld>
     <p:spTree>
@@ -18200,7 +18755,7 @@
 </p:sld>
 </file>
 
-<file path=ppt/slides/slide22.xml><?xml version="1.0" encoding="utf-8"?>
+<file path=ppt/slides/slide23.xml><?xml version="1.0" encoding="utf-8"?>
 <p:sld xmlns:a="http://schemas.openxmlformats.org/drawingml/2006/main" xmlns:r="http://schemas.openxmlformats.org/officeDocument/2006/relationships" xmlns:p="http://schemas.openxmlformats.org/presentationml/2006/main">
   <p:cSld>
     <p:spTree>
@@ -19418,7 +19973,7 @@
 </p:sld>
 </file>
 
-<file path=ppt/slides/slide23.xml><?xml version="1.0" encoding="utf-8"?>
+<file path=ppt/slides/slide24.xml><?xml version="1.0" encoding="utf-8"?>
 <p:sld xmlns:a="http://schemas.openxmlformats.org/drawingml/2006/main" xmlns:r="http://schemas.openxmlformats.org/officeDocument/2006/relationships" xmlns:p="http://schemas.openxmlformats.org/presentationml/2006/main">
   <p:cSld>
     <p:spTree>
@@ -20312,7 +20867,6 @@
               <a:rPr lang="en-US" sz="2400" dirty="0"/>
               <a:t>/models/</a:t>
             </a:r>
-            <a:endParaRPr lang="en-US" sz="2400" dirty="0"/>
           </a:p>
         </p:txBody>
       </p:sp>
@@ -20336,7 +20890,7 @@
 </p:sld>
 </file>
 
-<file path=ppt/slides/slide24.xml><?xml version="1.0" encoding="utf-8"?>
+<file path=ppt/slides/slide25.xml><?xml version="1.0" encoding="utf-8"?>
 <p:sld xmlns:a="http://schemas.openxmlformats.org/drawingml/2006/main" xmlns:r="http://schemas.openxmlformats.org/officeDocument/2006/relationships" xmlns:p="http://schemas.openxmlformats.org/presentationml/2006/main">
   <p:cSld>
     <p:spTree>
@@ -21478,7 +22032,6 @@
               <a:rPr lang="en-US" sz="2400" dirty="0"/>
               <a:t>/models/</a:t>
             </a:r>
-            <a:endParaRPr lang="en-US" sz="2400" dirty="0"/>
           </a:p>
         </p:txBody>
       </p:sp>
@@ -21502,7 +22055,1177 @@
 </p:sld>
 </file>
 
-<file path=ppt/slides/slide25.xml><?xml version="1.0" encoding="utf-8"?>
+<file path=ppt/slides/slide26.xml><?xml version="1.0" encoding="utf-8"?>
+<p:sld xmlns:a="http://schemas.openxmlformats.org/drawingml/2006/main" xmlns:r="http://schemas.openxmlformats.org/officeDocument/2006/relationships" xmlns:p="http://schemas.openxmlformats.org/presentationml/2006/main">
+  <p:cSld>
+    <p:spTree>
+      <p:nvGrpSpPr>
+        <p:cNvPr id="1" name=""/>
+        <p:cNvGrpSpPr/>
+        <p:nvPr/>
+      </p:nvGrpSpPr>
+      <p:grpSpPr>
+        <a:xfrm>
+          <a:off x="0" y="0"/>
+          <a:ext cx="0" cy="0"/>
+          <a:chOff x="0" y="0"/>
+          <a:chExt cx="0" cy="0"/>
+        </a:xfrm>
+      </p:grpSpPr>
+      <p:sp>
+        <p:nvSpPr>
+          <p:cNvPr id="2" name="Title 1"/>
+          <p:cNvSpPr>
+            <a:spLocks noGrp="1"/>
+          </p:cNvSpPr>
+          <p:nvPr>
+            <p:ph type="title"/>
+          </p:nvPr>
+        </p:nvSpPr>
+        <p:spPr/>
+        <p:txBody>
+          <a:bodyPr/>
+          <a:lstStyle/>
+          <a:p>
+            <a:r>
+              <a:rPr lang="en-US" dirty="0" smtClean="0"/>
+              <a:t>One-To-Many in </a:t>
+            </a:r>
+            <a:r>
+              <a:rPr lang="en-US" dirty="0" smtClean="0"/>
+              <a:t>the ORM</a:t>
+            </a:r>
+            <a:endParaRPr lang="en-US" dirty="0"/>
+          </a:p>
+        </p:txBody>
+      </p:sp>
+      <p:sp>
+        <p:nvSpPr>
+          <p:cNvPr id="3" name="TextBox 2"/>
+          <p:cNvSpPr txBox="1"/>
+          <p:nvPr/>
+        </p:nvSpPr>
+        <p:spPr>
+          <a:xfrm>
+            <a:off x="838200" y="1581157"/>
+            <a:ext cx="8869736" cy="4801314"/>
+          </a:xfrm>
+          <a:prstGeom prst="rect">
+            <a:avLst/>
+          </a:prstGeom>
+          <a:noFill/>
+        </p:spPr>
+        <p:txBody>
+          <a:bodyPr wrap="none" rtlCol="0">
+            <a:spAutoFit/>
+          </a:bodyPr>
+          <a:lstStyle/>
+          <a:p>
+            <a:r>
+              <a:rPr lang="en-US" b="1" dirty="0">
+                <a:latin typeface="Courier New" charset="0"/>
+                <a:ea typeface="Courier New" charset="0"/>
+                <a:cs typeface="Courier New" charset="0"/>
+              </a:rPr>
+              <a:t>&gt;&gt;&gt; </a:t>
+            </a:r>
+            <a:r>
+              <a:rPr lang="en-US" b="1" dirty="0">
+                <a:solidFill>
+                  <a:srgbClr val="FFC000"/>
+                </a:solidFill>
+                <a:latin typeface="Courier New" charset="0"/>
+                <a:ea typeface="Courier New" charset="0"/>
+                <a:cs typeface="Courier New" charset="0"/>
+              </a:rPr>
+              <a:t>from </a:t>
+            </a:r>
+            <a:r>
+              <a:rPr lang="en-US" b="1" dirty="0" err="1">
+                <a:solidFill>
+                  <a:srgbClr val="FFC000"/>
+                </a:solidFill>
+                <a:latin typeface="Courier New" charset="0"/>
+                <a:ea typeface="Courier New" charset="0"/>
+                <a:cs typeface="Courier New" charset="0"/>
+              </a:rPr>
+              <a:t>home.models</a:t>
+            </a:r>
+            <a:r>
+              <a:rPr lang="en-US" b="1" dirty="0">
+                <a:solidFill>
+                  <a:srgbClr val="FFC000"/>
+                </a:solidFill>
+                <a:latin typeface="Courier New" charset="0"/>
+                <a:ea typeface="Courier New" charset="0"/>
+                <a:cs typeface="Courier New" charset="0"/>
+              </a:rPr>
+              <a:t> import Artist, Genre, Album, Track;</a:t>
+            </a:r>
+          </a:p>
+          <a:p>
+            <a:r>
+              <a:rPr lang="en-US" b="1" dirty="0">
+                <a:latin typeface="Courier New" charset="0"/>
+                <a:ea typeface="Courier New" charset="0"/>
+                <a:cs typeface="Courier New" charset="0"/>
+              </a:rPr>
+              <a:t>&gt;&gt;&gt; </a:t>
+            </a:r>
+            <a:r>
+              <a:rPr lang="en-US" b="1" dirty="0" err="1">
+                <a:solidFill>
+                  <a:srgbClr val="FFC000"/>
+                </a:solidFill>
+                <a:latin typeface="Courier New" charset="0"/>
+                <a:ea typeface="Courier New" charset="0"/>
+                <a:cs typeface="Courier New" charset="0"/>
+              </a:rPr>
+              <a:t>Artist.objects.values</a:t>
+            </a:r>
+            <a:r>
+              <a:rPr lang="en-US" b="1" dirty="0">
+                <a:solidFill>
+                  <a:srgbClr val="FFC000"/>
+                </a:solidFill>
+                <a:latin typeface="Courier New" charset="0"/>
+                <a:ea typeface="Courier New" charset="0"/>
+                <a:cs typeface="Courier New" charset="0"/>
+              </a:rPr>
+              <a:t>()</a:t>
+            </a:r>
+          </a:p>
+          <a:p>
+            <a:r>
+              <a:rPr lang="mr-IN" b="1" dirty="0">
+                <a:latin typeface="Courier New" charset="0"/>
+                <a:ea typeface="Courier New" charset="0"/>
+                <a:cs typeface="Courier New" charset="0"/>
+              </a:rPr>
+              <a:t>&lt;</a:t>
+            </a:r>
+            <a:r>
+              <a:rPr lang="mr-IN" b="1" dirty="0" err="1">
+                <a:latin typeface="Courier New" charset="0"/>
+                <a:ea typeface="Courier New" charset="0"/>
+                <a:cs typeface="Courier New" charset="0"/>
+              </a:rPr>
+              <a:t>QuerySet</a:t>
+            </a:r>
+            <a:r>
+              <a:rPr lang="mr-IN" b="1" dirty="0">
+                <a:latin typeface="Courier New" charset="0"/>
+                <a:ea typeface="Courier New" charset="0"/>
+                <a:cs typeface="Courier New" charset="0"/>
+              </a:rPr>
+              <a:t> [{'</a:t>
+            </a:r>
+            <a:r>
+              <a:rPr lang="mr-IN" b="1" dirty="0" err="1">
+                <a:latin typeface="Courier New" charset="0"/>
+                <a:ea typeface="Courier New" charset="0"/>
+                <a:cs typeface="Courier New" charset="0"/>
+              </a:rPr>
+              <a:t>id</a:t>
+            </a:r>
+            <a:r>
+              <a:rPr lang="mr-IN" b="1" dirty="0">
+                <a:latin typeface="Courier New" charset="0"/>
+                <a:ea typeface="Courier New" charset="0"/>
+                <a:cs typeface="Courier New" charset="0"/>
+              </a:rPr>
+              <a:t>': 1, '</a:t>
+            </a:r>
+            <a:r>
+              <a:rPr lang="mr-IN" b="1" dirty="0" err="1">
+                <a:latin typeface="Courier New" charset="0"/>
+                <a:ea typeface="Courier New" charset="0"/>
+                <a:cs typeface="Courier New" charset="0"/>
+              </a:rPr>
+              <a:t>name</a:t>
+            </a:r>
+            <a:r>
+              <a:rPr lang="mr-IN" b="1" dirty="0">
+                <a:latin typeface="Courier New" charset="0"/>
+                <a:ea typeface="Courier New" charset="0"/>
+                <a:cs typeface="Courier New" charset="0"/>
+              </a:rPr>
+              <a:t>': '</a:t>
+            </a:r>
+            <a:r>
+              <a:rPr lang="mr-IN" b="1" dirty="0" err="1">
+                <a:latin typeface="Courier New" charset="0"/>
+                <a:ea typeface="Courier New" charset="0"/>
+                <a:cs typeface="Courier New" charset="0"/>
+              </a:rPr>
+              <a:t>Led</a:t>
+            </a:r>
+            <a:r>
+              <a:rPr lang="mr-IN" b="1" dirty="0">
+                <a:latin typeface="Courier New" charset="0"/>
+                <a:ea typeface="Courier New" charset="0"/>
+                <a:cs typeface="Courier New" charset="0"/>
+              </a:rPr>
+              <a:t> </a:t>
+            </a:r>
+            <a:r>
+              <a:rPr lang="mr-IN" b="1" dirty="0" err="1">
+                <a:latin typeface="Courier New" charset="0"/>
+                <a:ea typeface="Courier New" charset="0"/>
+                <a:cs typeface="Courier New" charset="0"/>
+              </a:rPr>
+              <a:t>Zepplin</a:t>
+            </a:r>
+            <a:r>
+              <a:rPr lang="mr-IN" b="1" dirty="0">
+                <a:latin typeface="Courier New" charset="0"/>
+                <a:ea typeface="Courier New" charset="0"/>
+                <a:cs typeface="Courier New" charset="0"/>
+              </a:rPr>
+              <a:t>'}, </a:t>
+            </a:r>
+            <a:endParaRPr lang="en-US" b="1" dirty="0" smtClean="0">
+              <a:latin typeface="Courier New" charset="0"/>
+              <a:ea typeface="Courier New" charset="0"/>
+              <a:cs typeface="Courier New" charset="0"/>
+            </a:endParaRPr>
+          </a:p>
+          <a:p>
+            <a:r>
+              <a:rPr lang="en-US" b="1" dirty="0">
+                <a:latin typeface="Courier New" charset="0"/>
+                <a:ea typeface="Courier New" charset="0"/>
+                <a:cs typeface="Courier New" charset="0"/>
+              </a:rPr>
+              <a:t> </a:t>
+            </a:r>
+            <a:r>
+              <a:rPr lang="en-US" b="1" dirty="0" smtClean="0">
+                <a:latin typeface="Courier New" charset="0"/>
+                <a:ea typeface="Courier New" charset="0"/>
+                <a:cs typeface="Courier New" charset="0"/>
+              </a:rPr>
+              <a:t>  </a:t>
+            </a:r>
+            <a:r>
+              <a:rPr lang="mr-IN" b="1" dirty="0" smtClean="0">
+                <a:latin typeface="Courier New" charset="0"/>
+                <a:ea typeface="Courier New" charset="0"/>
+                <a:cs typeface="Courier New" charset="0"/>
+              </a:rPr>
+              <a:t>{</a:t>
+            </a:r>
+            <a:r>
+              <a:rPr lang="mr-IN" b="1" dirty="0">
+                <a:latin typeface="Courier New" charset="0"/>
+                <a:ea typeface="Courier New" charset="0"/>
+                <a:cs typeface="Courier New" charset="0"/>
+              </a:rPr>
+              <a:t>'</a:t>
+            </a:r>
+            <a:r>
+              <a:rPr lang="mr-IN" b="1" dirty="0" err="1">
+                <a:latin typeface="Courier New" charset="0"/>
+                <a:ea typeface="Courier New" charset="0"/>
+                <a:cs typeface="Courier New" charset="0"/>
+              </a:rPr>
+              <a:t>id</a:t>
+            </a:r>
+            <a:r>
+              <a:rPr lang="mr-IN" b="1" dirty="0">
+                <a:latin typeface="Courier New" charset="0"/>
+                <a:ea typeface="Courier New" charset="0"/>
+                <a:cs typeface="Courier New" charset="0"/>
+              </a:rPr>
+              <a:t>': 2, '</a:t>
+            </a:r>
+            <a:r>
+              <a:rPr lang="mr-IN" b="1" dirty="0" err="1">
+                <a:latin typeface="Courier New" charset="0"/>
+                <a:ea typeface="Courier New" charset="0"/>
+                <a:cs typeface="Courier New" charset="0"/>
+              </a:rPr>
+              <a:t>name</a:t>
+            </a:r>
+            <a:r>
+              <a:rPr lang="mr-IN" b="1" dirty="0">
+                <a:latin typeface="Courier New" charset="0"/>
+                <a:ea typeface="Courier New" charset="0"/>
+                <a:cs typeface="Courier New" charset="0"/>
+              </a:rPr>
+              <a:t>': 'ACDC'}]&gt;</a:t>
+            </a:r>
+          </a:p>
+          <a:p>
+            <a:r>
+              <a:rPr lang="en-US" b="1" dirty="0">
+                <a:latin typeface="Courier New" charset="0"/>
+                <a:ea typeface="Courier New" charset="0"/>
+                <a:cs typeface="Courier New" charset="0"/>
+              </a:rPr>
+              <a:t>&gt;&gt;&gt; </a:t>
+            </a:r>
+            <a:r>
+              <a:rPr lang="en-US" b="1" dirty="0" err="1">
+                <a:solidFill>
+                  <a:srgbClr val="FFC000"/>
+                </a:solidFill>
+                <a:latin typeface="Courier New" charset="0"/>
+                <a:ea typeface="Courier New" charset="0"/>
+                <a:cs typeface="Courier New" charset="0"/>
+              </a:rPr>
+              <a:t>Album.objects.values</a:t>
+            </a:r>
+            <a:r>
+              <a:rPr lang="en-US" b="1" dirty="0">
+                <a:solidFill>
+                  <a:srgbClr val="FFC000"/>
+                </a:solidFill>
+                <a:latin typeface="Courier New" charset="0"/>
+                <a:ea typeface="Courier New" charset="0"/>
+                <a:cs typeface="Courier New" charset="0"/>
+              </a:rPr>
+              <a:t>()</a:t>
+            </a:r>
+          </a:p>
+          <a:p>
+            <a:r>
+              <a:rPr lang="nl-NL" b="1" dirty="0">
+                <a:latin typeface="Courier New" charset="0"/>
+                <a:ea typeface="Courier New" charset="0"/>
+                <a:cs typeface="Courier New" charset="0"/>
+              </a:rPr>
+              <a:t>&lt;</a:t>
+            </a:r>
+            <a:r>
+              <a:rPr lang="nl-NL" b="1" dirty="0" err="1">
+                <a:latin typeface="Courier New" charset="0"/>
+                <a:ea typeface="Courier New" charset="0"/>
+                <a:cs typeface="Courier New" charset="0"/>
+              </a:rPr>
+              <a:t>QuerySet</a:t>
+            </a:r>
+            <a:r>
+              <a:rPr lang="nl-NL" b="1" dirty="0">
+                <a:latin typeface="Courier New" charset="0"/>
+                <a:ea typeface="Courier New" charset="0"/>
+                <a:cs typeface="Courier New" charset="0"/>
+              </a:rPr>
+              <a:t> [{'</a:t>
+            </a:r>
+            <a:r>
+              <a:rPr lang="nl-NL" b="1" dirty="0" err="1">
+                <a:latin typeface="Courier New" charset="0"/>
+                <a:ea typeface="Courier New" charset="0"/>
+                <a:cs typeface="Courier New" charset="0"/>
+              </a:rPr>
+              <a:t>id</a:t>
+            </a:r>
+            <a:r>
+              <a:rPr lang="nl-NL" b="1" dirty="0">
+                <a:latin typeface="Courier New" charset="0"/>
+                <a:ea typeface="Courier New" charset="0"/>
+                <a:cs typeface="Courier New" charset="0"/>
+              </a:rPr>
+              <a:t>': 1, '</a:t>
+            </a:r>
+            <a:r>
+              <a:rPr lang="nl-NL" b="1" dirty="0" err="1">
+                <a:latin typeface="Courier New" charset="0"/>
+                <a:ea typeface="Courier New" charset="0"/>
+                <a:cs typeface="Courier New" charset="0"/>
+              </a:rPr>
+              <a:t>title</a:t>
+            </a:r>
+            <a:r>
+              <a:rPr lang="nl-NL" b="1" dirty="0">
+                <a:latin typeface="Courier New" charset="0"/>
+                <a:ea typeface="Courier New" charset="0"/>
+                <a:cs typeface="Courier New" charset="0"/>
+              </a:rPr>
+              <a:t>': '</a:t>
+            </a:r>
+            <a:r>
+              <a:rPr lang="nl-NL" b="1" dirty="0" err="1">
+                <a:latin typeface="Courier New" charset="0"/>
+                <a:ea typeface="Courier New" charset="0"/>
+                <a:cs typeface="Courier New" charset="0"/>
+              </a:rPr>
+              <a:t>Who</a:t>
+            </a:r>
+            <a:r>
+              <a:rPr lang="nl-NL" b="1" dirty="0">
+                <a:latin typeface="Courier New" charset="0"/>
+                <a:ea typeface="Courier New" charset="0"/>
+                <a:cs typeface="Courier New" charset="0"/>
+              </a:rPr>
+              <a:t> Made </a:t>
+            </a:r>
+            <a:r>
+              <a:rPr lang="nl-NL" b="1" dirty="0" err="1">
+                <a:latin typeface="Courier New" charset="0"/>
+                <a:ea typeface="Courier New" charset="0"/>
+                <a:cs typeface="Courier New" charset="0"/>
+              </a:rPr>
+              <a:t>Who</a:t>
+            </a:r>
+            <a:r>
+              <a:rPr lang="nl-NL" b="1" dirty="0">
+                <a:latin typeface="Courier New" charset="0"/>
+                <a:ea typeface="Courier New" charset="0"/>
+                <a:cs typeface="Courier New" charset="0"/>
+              </a:rPr>
+              <a:t>', '</a:t>
+            </a:r>
+            <a:r>
+              <a:rPr lang="nl-NL" b="1" dirty="0" err="1">
+                <a:latin typeface="Courier New" charset="0"/>
+                <a:ea typeface="Courier New" charset="0"/>
+                <a:cs typeface="Courier New" charset="0"/>
+              </a:rPr>
+              <a:t>artist_id</a:t>
+            </a:r>
+            <a:r>
+              <a:rPr lang="nl-NL" b="1" dirty="0">
+                <a:latin typeface="Courier New" charset="0"/>
+                <a:ea typeface="Courier New" charset="0"/>
+                <a:cs typeface="Courier New" charset="0"/>
+              </a:rPr>
+              <a:t>': 2}, </a:t>
+            </a:r>
+            <a:endParaRPr lang="nl-NL" b="1" dirty="0" smtClean="0">
+              <a:latin typeface="Courier New" charset="0"/>
+              <a:ea typeface="Courier New" charset="0"/>
+              <a:cs typeface="Courier New" charset="0"/>
+            </a:endParaRPr>
+          </a:p>
+          <a:p>
+            <a:r>
+              <a:rPr lang="nl-NL" b="1" dirty="0">
+                <a:latin typeface="Courier New" charset="0"/>
+                <a:ea typeface="Courier New" charset="0"/>
+                <a:cs typeface="Courier New" charset="0"/>
+              </a:rPr>
+              <a:t> </a:t>
+            </a:r>
+            <a:r>
+              <a:rPr lang="nl-NL" b="1" dirty="0" smtClean="0">
+                <a:latin typeface="Courier New" charset="0"/>
+                <a:ea typeface="Courier New" charset="0"/>
+                <a:cs typeface="Courier New" charset="0"/>
+              </a:rPr>
+              <a:t>  {</a:t>
+            </a:r>
+            <a:r>
+              <a:rPr lang="nl-NL" b="1" dirty="0">
+                <a:latin typeface="Courier New" charset="0"/>
+                <a:ea typeface="Courier New" charset="0"/>
+                <a:cs typeface="Courier New" charset="0"/>
+              </a:rPr>
+              <a:t>'</a:t>
+            </a:r>
+            <a:r>
+              <a:rPr lang="nl-NL" b="1" dirty="0" err="1">
+                <a:latin typeface="Courier New" charset="0"/>
+                <a:ea typeface="Courier New" charset="0"/>
+                <a:cs typeface="Courier New" charset="0"/>
+              </a:rPr>
+              <a:t>id</a:t>
+            </a:r>
+            <a:r>
+              <a:rPr lang="nl-NL" b="1" dirty="0">
+                <a:latin typeface="Courier New" charset="0"/>
+                <a:ea typeface="Courier New" charset="0"/>
+                <a:cs typeface="Courier New" charset="0"/>
+              </a:rPr>
+              <a:t>': 2, '</a:t>
+            </a:r>
+            <a:r>
+              <a:rPr lang="nl-NL" b="1" dirty="0" err="1">
+                <a:latin typeface="Courier New" charset="0"/>
+                <a:ea typeface="Courier New" charset="0"/>
+                <a:cs typeface="Courier New" charset="0"/>
+              </a:rPr>
+              <a:t>title</a:t>
+            </a:r>
+            <a:r>
+              <a:rPr lang="nl-NL" b="1" dirty="0">
+                <a:latin typeface="Courier New" charset="0"/>
+                <a:ea typeface="Courier New" charset="0"/>
+                <a:cs typeface="Courier New" charset="0"/>
+              </a:rPr>
+              <a:t>': 'IV', '</a:t>
+            </a:r>
+            <a:r>
+              <a:rPr lang="nl-NL" b="1" dirty="0" err="1">
+                <a:latin typeface="Courier New" charset="0"/>
+                <a:ea typeface="Courier New" charset="0"/>
+                <a:cs typeface="Courier New" charset="0"/>
+              </a:rPr>
+              <a:t>artist_id</a:t>
+            </a:r>
+            <a:r>
+              <a:rPr lang="nl-NL" b="1" dirty="0">
+                <a:latin typeface="Courier New" charset="0"/>
+                <a:ea typeface="Courier New" charset="0"/>
+                <a:cs typeface="Courier New" charset="0"/>
+              </a:rPr>
+              <a:t>': 1}]&gt;</a:t>
+            </a:r>
+          </a:p>
+          <a:p>
+            <a:r>
+              <a:rPr lang="nl-NL" b="1" dirty="0">
+                <a:latin typeface="Courier New" charset="0"/>
+                <a:ea typeface="Courier New" charset="0"/>
+                <a:cs typeface="Courier New" charset="0"/>
+              </a:rPr>
+              <a:t>&gt;&gt;&gt; </a:t>
+            </a:r>
+            <a:r>
+              <a:rPr lang="nl-NL" b="1" dirty="0" err="1">
+                <a:solidFill>
+                  <a:srgbClr val="FFC000"/>
+                </a:solidFill>
+                <a:latin typeface="Courier New" charset="0"/>
+                <a:ea typeface="Courier New" charset="0"/>
+                <a:cs typeface="Courier New" charset="0"/>
+              </a:rPr>
+              <a:t>alb</a:t>
+            </a:r>
+            <a:r>
+              <a:rPr lang="nl-NL" b="1" dirty="0">
+                <a:solidFill>
+                  <a:srgbClr val="FFC000"/>
+                </a:solidFill>
+                <a:latin typeface="Courier New" charset="0"/>
+                <a:ea typeface="Courier New" charset="0"/>
+                <a:cs typeface="Courier New" charset="0"/>
+              </a:rPr>
+              <a:t> = </a:t>
+            </a:r>
+            <a:r>
+              <a:rPr lang="nl-NL" b="1" dirty="0" err="1">
+                <a:solidFill>
+                  <a:srgbClr val="FFC000"/>
+                </a:solidFill>
+                <a:latin typeface="Courier New" charset="0"/>
+                <a:ea typeface="Courier New" charset="0"/>
+                <a:cs typeface="Courier New" charset="0"/>
+              </a:rPr>
+              <a:t>Album.objects.get</a:t>
+            </a:r>
+            <a:r>
+              <a:rPr lang="nl-NL" b="1" dirty="0">
+                <a:solidFill>
+                  <a:srgbClr val="FFC000"/>
+                </a:solidFill>
+                <a:latin typeface="Courier New" charset="0"/>
+                <a:ea typeface="Courier New" charset="0"/>
+                <a:cs typeface="Courier New" charset="0"/>
+              </a:rPr>
+              <a:t>(pk=1)</a:t>
+            </a:r>
+          </a:p>
+          <a:p>
+            <a:r>
+              <a:rPr lang="mr-IN" b="1" dirty="0">
+                <a:latin typeface="Courier New" charset="0"/>
+                <a:ea typeface="Courier New" charset="0"/>
+                <a:cs typeface="Courier New" charset="0"/>
+              </a:rPr>
+              <a:t>&gt;&gt;&gt; </a:t>
+            </a:r>
+            <a:r>
+              <a:rPr lang="mr-IN" b="1" dirty="0" err="1">
+                <a:solidFill>
+                  <a:srgbClr val="FFC000"/>
+                </a:solidFill>
+                <a:latin typeface="Courier New" charset="0"/>
+                <a:ea typeface="Courier New" charset="0"/>
+                <a:cs typeface="Courier New" charset="0"/>
+              </a:rPr>
+              <a:t>alb</a:t>
+            </a:r>
+            <a:endParaRPr lang="mr-IN" b="1" dirty="0">
+              <a:solidFill>
+                <a:srgbClr val="FFC000"/>
+              </a:solidFill>
+              <a:latin typeface="Courier New" charset="0"/>
+              <a:ea typeface="Courier New" charset="0"/>
+              <a:cs typeface="Courier New" charset="0"/>
+            </a:endParaRPr>
+          </a:p>
+          <a:p>
+            <a:r>
+              <a:rPr lang="en-US" b="1" dirty="0">
+                <a:latin typeface="Courier New" charset="0"/>
+                <a:ea typeface="Courier New" charset="0"/>
+                <a:cs typeface="Courier New" charset="0"/>
+              </a:rPr>
+              <a:t>&lt;Album: Who Made Who&gt;</a:t>
+            </a:r>
+          </a:p>
+          <a:p>
+            <a:r>
+              <a:rPr lang="en-US" b="1" dirty="0">
+                <a:latin typeface="Courier New" charset="0"/>
+                <a:ea typeface="Courier New" charset="0"/>
+                <a:cs typeface="Courier New" charset="0"/>
+              </a:rPr>
+              <a:t>&gt;&gt;&gt; </a:t>
+            </a:r>
+            <a:r>
+              <a:rPr lang="en-US" b="1" dirty="0" err="1">
+                <a:solidFill>
+                  <a:srgbClr val="FF40FF"/>
+                </a:solidFill>
+                <a:latin typeface="Courier New" charset="0"/>
+                <a:ea typeface="Courier New" charset="0"/>
+                <a:cs typeface="Courier New" charset="0"/>
+              </a:rPr>
+              <a:t>alb.artist</a:t>
+            </a:r>
+            <a:endParaRPr lang="en-US" b="1" dirty="0">
+              <a:solidFill>
+                <a:srgbClr val="FF40FF"/>
+              </a:solidFill>
+              <a:latin typeface="Courier New" charset="0"/>
+              <a:ea typeface="Courier New" charset="0"/>
+              <a:cs typeface="Courier New" charset="0"/>
+            </a:endParaRPr>
+          </a:p>
+          <a:p>
+            <a:r>
+              <a:rPr lang="en-US" b="1" dirty="0">
+                <a:latin typeface="Courier New" charset="0"/>
+                <a:ea typeface="Courier New" charset="0"/>
+                <a:cs typeface="Courier New" charset="0"/>
+              </a:rPr>
+              <a:t>&lt;Artist: ACDC&gt;</a:t>
+            </a:r>
+          </a:p>
+          <a:p>
+            <a:r>
+              <a:rPr lang="en-US" b="1" dirty="0">
+                <a:latin typeface="Courier New" charset="0"/>
+                <a:ea typeface="Courier New" charset="0"/>
+                <a:cs typeface="Courier New" charset="0"/>
+              </a:rPr>
+              <a:t>&gt;&gt;&gt; </a:t>
+            </a:r>
+            <a:r>
+              <a:rPr lang="en-US" b="1" dirty="0">
+                <a:solidFill>
+                  <a:srgbClr val="FFC000"/>
+                </a:solidFill>
+                <a:latin typeface="Courier New" charset="0"/>
+                <a:ea typeface="Courier New" charset="0"/>
+                <a:cs typeface="Courier New" charset="0"/>
+              </a:rPr>
+              <a:t>art = </a:t>
+            </a:r>
+            <a:r>
+              <a:rPr lang="en-US" b="1" dirty="0" err="1">
+                <a:solidFill>
+                  <a:srgbClr val="FFC000"/>
+                </a:solidFill>
+                <a:latin typeface="Courier New" charset="0"/>
+                <a:ea typeface="Courier New" charset="0"/>
+                <a:cs typeface="Courier New" charset="0"/>
+              </a:rPr>
+              <a:t>Artist.objects.get</a:t>
+            </a:r>
+            <a:r>
+              <a:rPr lang="en-US" b="1" dirty="0">
+                <a:solidFill>
+                  <a:srgbClr val="FFC000"/>
+                </a:solidFill>
+                <a:latin typeface="Courier New" charset="0"/>
+                <a:ea typeface="Courier New" charset="0"/>
+                <a:cs typeface="Courier New" charset="0"/>
+              </a:rPr>
+              <a:t>(</a:t>
+            </a:r>
+            <a:r>
+              <a:rPr lang="en-US" b="1" dirty="0" err="1">
+                <a:solidFill>
+                  <a:srgbClr val="FFC000"/>
+                </a:solidFill>
+                <a:latin typeface="Courier New" charset="0"/>
+                <a:ea typeface="Courier New" charset="0"/>
+                <a:cs typeface="Courier New" charset="0"/>
+              </a:rPr>
+              <a:t>pk</a:t>
+            </a:r>
+            <a:r>
+              <a:rPr lang="en-US" b="1" dirty="0">
+                <a:solidFill>
+                  <a:srgbClr val="FFC000"/>
+                </a:solidFill>
+                <a:latin typeface="Courier New" charset="0"/>
+                <a:ea typeface="Courier New" charset="0"/>
+                <a:cs typeface="Courier New" charset="0"/>
+              </a:rPr>
+              <a:t>=1)</a:t>
+            </a:r>
+          </a:p>
+          <a:p>
+            <a:r>
+              <a:rPr lang="mr-IN" b="1" dirty="0">
+                <a:latin typeface="Courier New" charset="0"/>
+                <a:ea typeface="Courier New" charset="0"/>
+                <a:cs typeface="Courier New" charset="0"/>
+              </a:rPr>
+              <a:t>&gt;&gt;&gt; </a:t>
+            </a:r>
+            <a:r>
+              <a:rPr lang="mr-IN" b="1" dirty="0" err="1">
+                <a:solidFill>
+                  <a:srgbClr val="FFC000"/>
+                </a:solidFill>
+                <a:latin typeface="Courier New" charset="0"/>
+                <a:ea typeface="Courier New" charset="0"/>
+                <a:cs typeface="Courier New" charset="0"/>
+              </a:rPr>
+              <a:t>art</a:t>
+            </a:r>
+            <a:endParaRPr lang="mr-IN" b="1" dirty="0">
+              <a:solidFill>
+                <a:srgbClr val="FFC000"/>
+              </a:solidFill>
+              <a:latin typeface="Courier New" charset="0"/>
+              <a:ea typeface="Courier New" charset="0"/>
+              <a:cs typeface="Courier New" charset="0"/>
+            </a:endParaRPr>
+          </a:p>
+          <a:p>
+            <a:r>
+              <a:rPr lang="en-US" b="1" dirty="0">
+                <a:latin typeface="Courier New" charset="0"/>
+                <a:ea typeface="Courier New" charset="0"/>
+                <a:cs typeface="Courier New" charset="0"/>
+              </a:rPr>
+              <a:t>&lt;Artist: Led </a:t>
+            </a:r>
+            <a:r>
+              <a:rPr lang="en-US" b="1" dirty="0" err="1">
+                <a:latin typeface="Courier New" charset="0"/>
+                <a:ea typeface="Courier New" charset="0"/>
+                <a:cs typeface="Courier New" charset="0"/>
+              </a:rPr>
+              <a:t>Zepplin</a:t>
+            </a:r>
+            <a:r>
+              <a:rPr lang="en-US" b="1" dirty="0">
+                <a:latin typeface="Courier New" charset="0"/>
+                <a:ea typeface="Courier New" charset="0"/>
+                <a:cs typeface="Courier New" charset="0"/>
+              </a:rPr>
+              <a:t>&gt;</a:t>
+            </a:r>
+          </a:p>
+          <a:p>
+            <a:r>
+              <a:rPr lang="en-US" b="1" dirty="0">
+                <a:latin typeface="Courier New" charset="0"/>
+                <a:ea typeface="Courier New" charset="0"/>
+                <a:cs typeface="Courier New" charset="0"/>
+              </a:rPr>
+              <a:t>&gt;&gt;&gt; </a:t>
+            </a:r>
+            <a:r>
+              <a:rPr lang="en-US" b="1" dirty="0" err="1">
+                <a:solidFill>
+                  <a:srgbClr val="FF40FF"/>
+                </a:solidFill>
+                <a:latin typeface="Courier New" charset="0"/>
+                <a:ea typeface="Courier New" charset="0"/>
+                <a:cs typeface="Courier New" charset="0"/>
+              </a:rPr>
+              <a:t>art.album_set.values</a:t>
+            </a:r>
+            <a:r>
+              <a:rPr lang="en-US" b="1" dirty="0">
+                <a:solidFill>
+                  <a:srgbClr val="FF40FF"/>
+                </a:solidFill>
+                <a:latin typeface="Courier New" charset="0"/>
+                <a:ea typeface="Courier New" charset="0"/>
+                <a:cs typeface="Courier New" charset="0"/>
+              </a:rPr>
+              <a:t>()</a:t>
+            </a:r>
+          </a:p>
+          <a:p>
+            <a:r>
+              <a:rPr lang="mr-IN" b="1" dirty="0">
+                <a:latin typeface="Courier New" charset="0"/>
+                <a:ea typeface="Courier New" charset="0"/>
+                <a:cs typeface="Courier New" charset="0"/>
+              </a:rPr>
+              <a:t>&lt;</a:t>
+            </a:r>
+            <a:r>
+              <a:rPr lang="mr-IN" b="1" dirty="0" err="1">
+                <a:latin typeface="Courier New" charset="0"/>
+                <a:ea typeface="Courier New" charset="0"/>
+                <a:cs typeface="Courier New" charset="0"/>
+              </a:rPr>
+              <a:t>QuerySet</a:t>
+            </a:r>
+            <a:r>
+              <a:rPr lang="mr-IN" b="1" dirty="0">
+                <a:latin typeface="Courier New" charset="0"/>
+                <a:ea typeface="Courier New" charset="0"/>
+                <a:cs typeface="Courier New" charset="0"/>
+              </a:rPr>
+              <a:t> [{'</a:t>
+            </a:r>
+            <a:r>
+              <a:rPr lang="mr-IN" b="1" dirty="0" err="1">
+                <a:latin typeface="Courier New" charset="0"/>
+                <a:ea typeface="Courier New" charset="0"/>
+                <a:cs typeface="Courier New" charset="0"/>
+              </a:rPr>
+              <a:t>id</a:t>
+            </a:r>
+            <a:r>
+              <a:rPr lang="mr-IN" b="1" dirty="0">
+                <a:latin typeface="Courier New" charset="0"/>
+                <a:ea typeface="Courier New" charset="0"/>
+                <a:cs typeface="Courier New" charset="0"/>
+              </a:rPr>
+              <a:t>': 2, '</a:t>
+            </a:r>
+            <a:r>
+              <a:rPr lang="mr-IN" b="1" dirty="0" err="1">
+                <a:latin typeface="Courier New" charset="0"/>
+                <a:ea typeface="Courier New" charset="0"/>
+                <a:cs typeface="Courier New" charset="0"/>
+              </a:rPr>
+              <a:t>title</a:t>
+            </a:r>
+            <a:r>
+              <a:rPr lang="mr-IN" b="1" dirty="0">
+                <a:latin typeface="Courier New" charset="0"/>
+                <a:ea typeface="Courier New" charset="0"/>
+                <a:cs typeface="Courier New" charset="0"/>
+              </a:rPr>
+              <a:t>': 'IV', '</a:t>
+            </a:r>
+            <a:r>
+              <a:rPr lang="mr-IN" b="1" dirty="0" err="1">
+                <a:latin typeface="Courier New" charset="0"/>
+                <a:ea typeface="Courier New" charset="0"/>
+                <a:cs typeface="Courier New" charset="0"/>
+              </a:rPr>
+              <a:t>artist_id</a:t>
+            </a:r>
+            <a:r>
+              <a:rPr lang="mr-IN" b="1" dirty="0">
+                <a:latin typeface="Courier New" charset="0"/>
+                <a:ea typeface="Courier New" charset="0"/>
+                <a:cs typeface="Courier New" charset="0"/>
+              </a:rPr>
+              <a:t>': 1</a:t>
+            </a:r>
+            <a:r>
+              <a:rPr lang="mr-IN" b="1" dirty="0" smtClean="0">
+                <a:latin typeface="Courier New" charset="0"/>
+                <a:ea typeface="Courier New" charset="0"/>
+                <a:cs typeface="Courier New" charset="0"/>
+              </a:rPr>
+              <a:t>}]&gt;</a:t>
+            </a:r>
+            <a:endParaRPr lang="mr-IN" b="1" dirty="0">
+              <a:latin typeface="Courier New" charset="0"/>
+              <a:ea typeface="Courier New" charset="0"/>
+              <a:cs typeface="Courier New" charset="0"/>
+            </a:endParaRPr>
+          </a:p>
+        </p:txBody>
+      </p:sp>
+      <p:sp>
+        <p:nvSpPr>
+          <p:cNvPr id="4" name="Shape 651"/>
+          <p:cNvSpPr/>
+          <p:nvPr/>
+        </p:nvSpPr>
+        <p:spPr>
+          <a:xfrm>
+            <a:off x="9707936" y="4452158"/>
+            <a:ext cx="1492619" cy="734483"/>
+          </a:xfrm>
+          <a:prstGeom prst="rect">
+            <a:avLst/>
+          </a:prstGeom>
+          <a:noFill/>
+          <a:ln w="25400" cap="flat" cmpd="sng">
+            <a:solidFill>
+              <a:srgbClr val="FFFF00"/>
+            </a:solidFill>
+            <a:prstDash val="solid"/>
+            <a:miter/>
+            <a:headEnd type="none" w="med" len="med"/>
+            <a:tailEnd type="none" w="med" len="med"/>
+          </a:ln>
+        </p:spPr>
+        <p:txBody>
+          <a:bodyPr lIns="0" tIns="0" rIns="0" bIns="0" anchor="ctr" anchorCtr="0">
+            <a:noAutofit/>
+          </a:bodyPr>
+          <a:lstStyle/>
+          <a:p>
+            <a:pPr algn="ctr">
+              <a:buClr>
+                <a:schemeClr val="lt1"/>
+              </a:buClr>
+              <a:buSzPct val="25000"/>
+            </a:pPr>
+            <a:r>
+              <a:rPr lang="en" sz="2400">
+                <a:solidFill>
+                  <a:schemeClr val="lt1"/>
+                </a:solidFill>
+              </a:rPr>
+              <a:t> </a:t>
+            </a:r>
+            <a:r>
+              <a:rPr lang="en" sz="2400" smtClean="0">
+                <a:solidFill>
+                  <a:schemeClr val="lt1"/>
+                </a:solidFill>
+                <a:latin typeface="Arial"/>
+                <a:ea typeface="Arial"/>
+                <a:cs typeface="Arial"/>
+                <a:sym typeface="Arial"/>
+              </a:rPr>
+              <a:t>Album</a:t>
+            </a:r>
+            <a:endParaRPr lang="en" sz="2400">
+              <a:solidFill>
+                <a:schemeClr val="lt1"/>
+              </a:solidFill>
+              <a:latin typeface="Arial"/>
+              <a:ea typeface="Arial"/>
+              <a:cs typeface="Arial"/>
+              <a:sym typeface="Arial"/>
+            </a:endParaRPr>
+          </a:p>
+        </p:txBody>
+      </p:sp>
+      <p:sp>
+        <p:nvSpPr>
+          <p:cNvPr id="5" name="Shape 654"/>
+          <p:cNvSpPr/>
+          <p:nvPr/>
+        </p:nvSpPr>
+        <p:spPr>
+          <a:xfrm>
+            <a:off x="6672263" y="4472266"/>
+            <a:ext cx="1492619" cy="694267"/>
+          </a:xfrm>
+          <a:prstGeom prst="rect">
+            <a:avLst/>
+          </a:prstGeom>
+          <a:noFill/>
+          <a:ln w="25400" cap="flat" cmpd="sng">
+            <a:solidFill>
+              <a:srgbClr val="FFFF00"/>
+            </a:solidFill>
+            <a:prstDash val="solid"/>
+            <a:miter/>
+            <a:headEnd type="none" w="med" len="med"/>
+            <a:tailEnd type="none" w="med" len="med"/>
+          </a:ln>
+        </p:spPr>
+        <p:txBody>
+          <a:bodyPr lIns="0" tIns="0" rIns="0" bIns="0" anchor="ctr" anchorCtr="0">
+            <a:noAutofit/>
+          </a:bodyPr>
+          <a:lstStyle/>
+          <a:p>
+            <a:pPr algn="ctr">
+              <a:buClr>
+                <a:schemeClr val="lt1"/>
+              </a:buClr>
+              <a:buSzPct val="25000"/>
+            </a:pPr>
+            <a:r>
+              <a:rPr lang="en" sz="2400" dirty="0" smtClean="0">
+                <a:solidFill>
+                  <a:schemeClr val="lt1"/>
+                </a:solidFill>
+                <a:latin typeface="Arial"/>
+                <a:ea typeface="Arial"/>
+                <a:cs typeface="Arial"/>
+                <a:sym typeface="Arial"/>
+              </a:rPr>
+              <a:t>Artist</a:t>
+            </a:r>
+            <a:endParaRPr lang="en" sz="2400" dirty="0">
+              <a:solidFill>
+                <a:schemeClr val="lt1"/>
+              </a:solidFill>
+              <a:latin typeface="Arial"/>
+              <a:ea typeface="Arial"/>
+              <a:cs typeface="Arial"/>
+              <a:sym typeface="Arial"/>
+            </a:endParaRPr>
+          </a:p>
+        </p:txBody>
+      </p:sp>
+      <p:cxnSp>
+        <p:nvCxnSpPr>
+          <p:cNvPr id="6" name="Shape 655"/>
+          <p:cNvCxnSpPr/>
+          <p:nvPr/>
+        </p:nvCxnSpPr>
+        <p:spPr>
+          <a:xfrm>
+            <a:off x="8164882" y="4819399"/>
+            <a:ext cx="1543054" cy="0"/>
+          </a:xfrm>
+          <a:prstGeom prst="straightConnector1">
+            <a:avLst/>
+          </a:prstGeom>
+          <a:noFill/>
+          <a:ln w="88900" cap="flat" cmpd="sng">
+            <a:solidFill>
+              <a:srgbClr val="FFFF00"/>
+            </a:solidFill>
+            <a:prstDash val="solid"/>
+            <a:miter/>
+            <a:headEnd type="none" w="med" len="med"/>
+            <a:tailEnd type="none" w="med" len="med"/>
+          </a:ln>
+        </p:spPr>
+      </p:cxnSp>
+      <p:sp>
+        <p:nvSpPr>
+          <p:cNvPr id="7" name="Shape 656"/>
+          <p:cNvSpPr/>
+          <p:nvPr/>
+        </p:nvSpPr>
+        <p:spPr>
+          <a:xfrm>
+            <a:off x="8164882" y="5002041"/>
+            <a:ext cx="614084" cy="369199"/>
+          </a:xfrm>
+          <a:prstGeom prst="rect">
+            <a:avLst/>
+          </a:prstGeom>
+          <a:noFill/>
+          <a:ln>
+            <a:noFill/>
+          </a:ln>
+        </p:spPr>
+        <p:txBody>
+          <a:bodyPr lIns="0" tIns="0" rIns="0" bIns="0" anchor="ctr" anchorCtr="0">
+            <a:noAutofit/>
+          </a:bodyPr>
+          <a:lstStyle/>
+          <a:p>
+            <a:pPr algn="ctr">
+              <a:buClr>
+                <a:schemeClr val="lt1"/>
+              </a:buClr>
+              <a:buSzPct val="25000"/>
+            </a:pPr>
+            <a:r>
+              <a:rPr lang="en-US" sz="2400" smtClean="0">
+                <a:solidFill>
+                  <a:schemeClr val="lt1"/>
+                </a:solidFill>
+                <a:latin typeface="Arial"/>
+                <a:ea typeface="Arial"/>
+                <a:cs typeface="Arial"/>
+                <a:sym typeface="Arial"/>
+              </a:rPr>
+              <a:t>1</a:t>
+            </a:r>
+            <a:endParaRPr lang="en" sz="2400" dirty="0">
+              <a:solidFill>
+                <a:schemeClr val="lt1"/>
+              </a:solidFill>
+              <a:latin typeface="Arial"/>
+              <a:ea typeface="Arial"/>
+              <a:cs typeface="Arial"/>
+              <a:sym typeface="Arial"/>
+            </a:endParaRPr>
+          </a:p>
+        </p:txBody>
+      </p:sp>
+      <p:sp>
+        <p:nvSpPr>
+          <p:cNvPr id="8" name="Shape 656"/>
+          <p:cNvSpPr/>
+          <p:nvPr/>
+        </p:nvSpPr>
+        <p:spPr>
+          <a:xfrm>
+            <a:off x="9093852" y="4981933"/>
+            <a:ext cx="614084" cy="369199"/>
+          </a:xfrm>
+          <a:prstGeom prst="rect">
+            <a:avLst/>
+          </a:prstGeom>
+          <a:noFill/>
+          <a:ln>
+            <a:noFill/>
+          </a:ln>
+        </p:spPr>
+        <p:txBody>
+          <a:bodyPr lIns="0" tIns="0" rIns="0" bIns="0" anchor="ctr" anchorCtr="0">
+            <a:noAutofit/>
+          </a:bodyPr>
+          <a:lstStyle/>
+          <a:p>
+            <a:pPr algn="ctr">
+              <a:buClr>
+                <a:schemeClr val="lt1"/>
+              </a:buClr>
+              <a:buSzPct val="25000"/>
+            </a:pPr>
+            <a:r>
+              <a:rPr lang="en-US" sz="2400" dirty="0">
+                <a:solidFill>
+                  <a:schemeClr val="lt1"/>
+                </a:solidFill>
+                <a:latin typeface="Arial"/>
+                <a:ea typeface="Arial"/>
+                <a:cs typeface="Arial"/>
+                <a:sym typeface="Arial"/>
+              </a:rPr>
+              <a:t>M</a:t>
+            </a:r>
+            <a:endParaRPr lang="en" sz="2400" dirty="0">
+              <a:solidFill>
+                <a:schemeClr val="lt1"/>
+              </a:solidFill>
+              <a:latin typeface="Arial"/>
+              <a:ea typeface="Arial"/>
+              <a:cs typeface="Arial"/>
+              <a:sym typeface="Arial"/>
+            </a:endParaRPr>
+          </a:p>
+        </p:txBody>
+      </p:sp>
+    </p:spTree>
+    <p:extLst>
+      <p:ext uri="{BB962C8B-B14F-4D97-AF65-F5344CB8AC3E}">
+        <p14:creationId xmlns:p14="http://schemas.microsoft.com/office/powerpoint/2010/main" val="1459934126"/>
+      </p:ext>
+    </p:extLst>
+  </p:cSld>
+  <p:clrMapOvr>
+    <a:masterClrMapping/>
+  </p:clrMapOvr>
+</p:sld>
+</file>
+
+<file path=ppt/slides/slide27.xml><?xml version="1.0" encoding="utf-8"?>
 <p:sld xmlns:a="http://schemas.openxmlformats.org/drawingml/2006/main" xmlns:r="http://schemas.openxmlformats.org/officeDocument/2006/relationships" xmlns:p="http://schemas.openxmlformats.org/presentationml/2006/main">
   <p:cSld>
     <p:spTree>
@@ -21610,7 +23333,7 @@
 </p:sld>
 </file>
 
-<file path=ppt/slides/slide26.xml><?xml version="1.0" encoding="utf-8"?>
+<file path=ppt/slides/slide28.xml><?xml version="1.0" encoding="utf-8"?>
 <p:sld xmlns:a="http://schemas.openxmlformats.org/drawingml/2006/main" xmlns:r="http://schemas.openxmlformats.org/officeDocument/2006/relationships" xmlns:p="http://schemas.openxmlformats.org/presentationml/2006/main">
   <p:cSld>
     <p:spTree>
